--- a/docs/blog/journal_club/2024-10-16_jets/index.pptx
+++ b/docs/blog/journal_club/2024-10-16_jets/index.pptx
@@ -561,6 +561,90 @@
     <p:extLst>
       <p:ext uri="{BB962C8B-B14F-4D97-AF65-F5344CB8AC3E}">
         <p14:creationId xmlns:p14="http://schemas.microsoft.com/office/powerpoint/2010/main" val="2147578939"/>
+      </p:ext>
+    </p:extLst>
+  </p:cSld>
+  <p:clrMapOvr>
+    <a:masterClrMapping/>
+  </p:clrMapOvr>
+</p:notes>
+</file>
+
+<file path=ppt/notesSlides/notesSlide2.xml><?xml version="1.0" encoding="utf-8"?>
+<p:notes xmlns:a="http://schemas.openxmlformats.org/drawingml/2006/main" xmlns:r="http://schemas.openxmlformats.org/officeDocument/2006/relationships" xmlns:p="http://schemas.openxmlformats.org/presentationml/2006/main">
+  <p:cSld>
+    <p:spTree>
+      <p:nvGrpSpPr>
+        <p:cNvPr id="1" name=""/>
+        <p:cNvGrpSpPr/>
+        <p:nvPr/>
+      </p:nvGrpSpPr>
+      <p:grpSpPr>
+        <a:xfrm>
+          <a:off x="0" y="0"/>
+          <a:ext cx="0" cy="0"/>
+          <a:chOff x="0" y="0"/>
+          <a:chExt cx="0" cy="0"/>
+        </a:xfrm>
+      </p:grpSpPr>
+      <p:sp>
+        <p:nvSpPr>
+          <p:cNvPr id="2" name="Slide Image Placeholder 1"/>
+          <p:cNvSpPr>
+            <a:spLocks noGrp="1" noRot="1" noChangeAspect="1"/>
+          </p:cNvSpPr>
+          <p:nvPr>
+            <p:ph type="sldImg"/>
+          </p:nvPr>
+        </p:nvSpPr>
+        <p:spPr/>
+      </p:sp>
+      <p:sp>
+        <p:nvSpPr>
+          <p:cNvPr id="3" name="Notes Placeholder 2"/>
+          <p:cNvSpPr>
+            <a:spLocks noGrp="1"/>
+          </p:cNvSpPr>
+          <p:nvPr>
+            <p:ph type="body" idx="1"/>
+          </p:nvPr>
+        </p:nvSpPr>
+        <p:spPr/>
+        <p:txBody>
+          <a:bodyPr/>
+          <a:lstStyle/>
+          <a:p>
+            <a:endParaRPr lang="en-US" dirty="0"/>
+          </a:p>
+        </p:txBody>
+      </p:sp>
+      <p:sp>
+        <p:nvSpPr>
+          <p:cNvPr id="4" name="Slide Number Placeholder 3"/>
+          <p:cNvSpPr>
+            <a:spLocks noGrp="1"/>
+          </p:cNvSpPr>
+          <p:nvPr>
+            <p:ph type="sldNum" sz="quarter" idx="5"/>
+          </p:nvPr>
+        </p:nvSpPr>
+        <p:spPr/>
+        <p:txBody>
+          <a:bodyPr/>
+          <a:lstStyle/>
+          <a:p>
+            <a:fld id="{846BFD4F-F5C8-9F45-929C-9C75440B7063}" type="slidenum">
+              <a:rPr lang="en-US" smtClean="0"/>
+              <a:t>9</a:t>
+            </a:fld>
+            <a:endParaRPr lang="en-US"/>
+          </a:p>
+        </p:txBody>
+      </p:sp>
+    </p:spTree>
+    <p:extLst>
+      <p:ext uri="{BB962C8B-B14F-4D97-AF65-F5344CB8AC3E}">
+        <p14:creationId xmlns:p14="http://schemas.microsoft.com/office/powerpoint/2010/main" val="2592120448"/>
       </p:ext>
     </p:extLst>
   </p:cSld>
@@ -5714,8 +5798,10 @@
               <a:buNone/>
             </a:pPr>
             <a:r>
-              <a:t>Discussion</a:t>
-            </a:r>
+              <a:rPr lang="en-US" dirty="0"/>
+              <a:t>Key Takeaways</a:t>
+            </a:r>
+            <a:endParaRPr dirty="0"/>
           </a:p>
         </p:txBody>
       </p:sp>
@@ -5742,8 +5828,20 @@
           <a:lstStyle/>
           <a:p>
             <a:r>
+              <a:rPr lang="en-US" dirty="0"/>
+              <a:t>A</a:t>
+            </a:r>
+            <a:r>
               <a:rPr dirty="0"/>
-              <a:t>They have reported anti-sunward and sunward jets in the Jovian </a:t>
+              <a:t>nti-sunward and sunward jets </a:t>
+            </a:r>
+            <a:r>
+              <a:rPr lang="en-US" dirty="0"/>
+              <a:t>have been observed </a:t>
+            </a:r>
+            <a:r>
+              <a:rPr dirty="0"/>
+              <a:t>in the Jovian </a:t>
             </a:r>
             <a:r>
               <a:rPr dirty="0" err="1"/>
@@ -5766,6 +5864,9 @@
             <a:endParaRPr lang="en-US" dirty="0"/>
           </a:p>
           <a:p>
+            <a:endParaRPr lang="en-US" dirty="0"/>
+          </a:p>
+          <a:p>
             <a:endParaRPr dirty="0"/>
           </a:p>
           <a:p>
@@ -5817,6 +5918,57 @@
             <a:r>
               <a:rPr dirty="0"/>
               <a:t>heoretical calculations suggest that the strength of jets (ratio of jet to upstream dynamic pressure) grow with Mach number and decrease with plasma beta (ratio of thermal to magnetic pressure).</a:t>
+            </a:r>
+          </a:p>
+        </p:txBody>
+      </p:sp>
+      <p:sp>
+        <p:nvSpPr>
+          <p:cNvPr id="4" name="Title 1">
+            <a:extLst>
+              <a:ext uri="{FF2B5EF4-FFF2-40B4-BE49-F238E27FC236}">
+                <a16:creationId xmlns:a16="http://schemas.microsoft.com/office/drawing/2014/main" id="{2F3756A6-40B0-1F6A-DC0A-DBAB9ABBBE43}"/>
+              </a:ext>
+            </a:extLst>
+          </p:cNvPr>
+          <p:cNvSpPr txBox="1">
+            <a:spLocks/>
+          </p:cNvSpPr>
+          <p:nvPr/>
+        </p:nvSpPr>
+        <p:spPr>
+          <a:xfrm>
+            <a:off x="144651" y="2143125"/>
+            <a:ext cx="8229600" cy="857250"/>
+          </a:xfrm>
+          <a:prstGeom prst="rect">
+            <a:avLst/>
+          </a:prstGeom>
+        </p:spPr>
+        <p:txBody>
+          <a:bodyPr vert="horz" lIns="91440" tIns="45720" rIns="91440" bIns="45720" rtlCol="0" anchor="ctr">
+            <a:normAutofit/>
+          </a:bodyPr>
+          <a:lstStyle>
+            <a:lvl1pPr algn="ctr" defTabSz="342900" rtl="0" eaLnBrk="1" latinLnBrk="0" hangingPunct="1">
+              <a:spcBef>
+                <a:spcPct val="0"/>
+              </a:spcBef>
+              <a:buNone/>
+              <a:defRPr sz="3300" kern="1200">
+                <a:solidFill>
+                  <a:schemeClr val="tx1"/>
+                </a:solidFill>
+                <a:latin typeface="+mj-lt"/>
+                <a:ea typeface="+mj-ea"/>
+                <a:cs typeface="+mj-cs"/>
+              </a:defRPr>
+            </a:lvl1pPr>
+          </a:lstStyle>
+          <a:p>
+            <a:r>
+              <a:rPr lang="en-US" dirty="0"/>
+              <a:t>Discussion</a:t>
             </a:r>
           </a:p>
         </p:txBody>

--- a/docs/blog/journal_club/2024-10-16_jets/index.pptx
+++ b/docs/blog/journal_club/2024-10-16_jets/index.pptx
@@ -561,90 +561,6 @@
     <p:extLst>
       <p:ext uri="{BB962C8B-B14F-4D97-AF65-F5344CB8AC3E}">
         <p14:creationId xmlns:p14="http://schemas.microsoft.com/office/powerpoint/2010/main" val="2147578939"/>
-      </p:ext>
-    </p:extLst>
-  </p:cSld>
-  <p:clrMapOvr>
-    <a:masterClrMapping/>
-  </p:clrMapOvr>
-</p:notes>
-</file>
-
-<file path=ppt/notesSlides/notesSlide2.xml><?xml version="1.0" encoding="utf-8"?>
-<p:notes xmlns:a="http://schemas.openxmlformats.org/drawingml/2006/main" xmlns:r="http://schemas.openxmlformats.org/officeDocument/2006/relationships" xmlns:p="http://schemas.openxmlformats.org/presentationml/2006/main">
-  <p:cSld>
-    <p:spTree>
-      <p:nvGrpSpPr>
-        <p:cNvPr id="1" name=""/>
-        <p:cNvGrpSpPr/>
-        <p:nvPr/>
-      </p:nvGrpSpPr>
-      <p:grpSpPr>
-        <a:xfrm>
-          <a:off x="0" y="0"/>
-          <a:ext cx="0" cy="0"/>
-          <a:chOff x="0" y="0"/>
-          <a:chExt cx="0" cy="0"/>
-        </a:xfrm>
-      </p:grpSpPr>
-      <p:sp>
-        <p:nvSpPr>
-          <p:cNvPr id="2" name="Slide Image Placeholder 1"/>
-          <p:cNvSpPr>
-            <a:spLocks noGrp="1" noRot="1" noChangeAspect="1"/>
-          </p:cNvSpPr>
-          <p:nvPr>
-            <p:ph type="sldImg"/>
-          </p:nvPr>
-        </p:nvSpPr>
-        <p:spPr/>
-      </p:sp>
-      <p:sp>
-        <p:nvSpPr>
-          <p:cNvPr id="3" name="Notes Placeholder 2"/>
-          <p:cNvSpPr>
-            <a:spLocks noGrp="1"/>
-          </p:cNvSpPr>
-          <p:nvPr>
-            <p:ph type="body" idx="1"/>
-          </p:nvPr>
-        </p:nvSpPr>
-        <p:spPr/>
-        <p:txBody>
-          <a:bodyPr/>
-          <a:lstStyle/>
-          <a:p>
-            <a:endParaRPr lang="en-US" dirty="0"/>
-          </a:p>
-        </p:txBody>
-      </p:sp>
-      <p:sp>
-        <p:nvSpPr>
-          <p:cNvPr id="4" name="Slide Number Placeholder 3"/>
-          <p:cNvSpPr>
-            <a:spLocks noGrp="1"/>
-          </p:cNvSpPr>
-          <p:nvPr>
-            <p:ph type="sldNum" sz="quarter" idx="5"/>
-          </p:nvPr>
-        </p:nvSpPr>
-        <p:spPr/>
-        <p:txBody>
-          <a:bodyPr/>
-          <a:lstStyle/>
-          <a:p>
-            <a:fld id="{846BFD4F-F5C8-9F45-929C-9C75440B7063}" type="slidenum">
-              <a:rPr lang="en-US" smtClean="0"/>
-              <a:t>9</a:t>
-            </a:fld>
-            <a:endParaRPr lang="en-US"/>
-          </a:p>
-        </p:txBody>
-      </p:sp>
-    </p:spTree>
-    <p:extLst>
-      <p:ext uri="{BB962C8B-B14F-4D97-AF65-F5344CB8AC3E}">
-        <p14:creationId xmlns:p14="http://schemas.microsoft.com/office/powerpoint/2010/main" val="2592120448"/>
       </p:ext>
     </p:extLst>
   </p:cSld>
@@ -5798,10 +5714,8 @@
               <a:buNone/>
             </a:pPr>
             <a:r>
-              <a:rPr lang="en-US" dirty="0"/>
-              <a:t>Key Takeaways</a:t>
-            </a:r>
-            <a:endParaRPr dirty="0"/>
+              <a:t>Discussion</a:t>
+            </a:r>
           </a:p>
         </p:txBody>
       </p:sp>
@@ -5828,20 +5742,8 @@
           <a:lstStyle/>
           <a:p>
             <a:r>
-              <a:rPr lang="en-US" dirty="0"/>
-              <a:t>A</a:t>
-            </a:r>
-            <a:r>
               <a:rPr dirty="0"/>
-              <a:t>nti-sunward and sunward jets </a:t>
-            </a:r>
-            <a:r>
-              <a:rPr lang="en-US" dirty="0"/>
-              <a:t>have been observed </a:t>
-            </a:r>
-            <a:r>
-              <a:rPr dirty="0"/>
-              <a:t>in the Jovian </a:t>
+              <a:t>They have reported anti-sunward and sunward jets in the Jovian </a:t>
             </a:r>
             <a:r>
               <a:rPr dirty="0" err="1"/>
@@ -5864,9 +5766,6 @@
             <a:endParaRPr lang="en-US" dirty="0"/>
           </a:p>
           <a:p>
-            <a:endParaRPr lang="en-US" dirty="0"/>
-          </a:p>
-          <a:p>
             <a:endParaRPr dirty="0"/>
           </a:p>
           <a:p>
@@ -5918,57 +5817,6 @@
             <a:r>
               <a:rPr dirty="0"/>
               <a:t>heoretical calculations suggest that the strength of jets (ratio of jet to upstream dynamic pressure) grow with Mach number and decrease with plasma beta (ratio of thermal to magnetic pressure).</a:t>
-            </a:r>
-          </a:p>
-        </p:txBody>
-      </p:sp>
-      <p:sp>
-        <p:nvSpPr>
-          <p:cNvPr id="4" name="Title 1">
-            <a:extLst>
-              <a:ext uri="{FF2B5EF4-FFF2-40B4-BE49-F238E27FC236}">
-                <a16:creationId xmlns:a16="http://schemas.microsoft.com/office/drawing/2014/main" id="{2F3756A6-40B0-1F6A-DC0A-DBAB9ABBBE43}"/>
-              </a:ext>
-            </a:extLst>
-          </p:cNvPr>
-          <p:cNvSpPr txBox="1">
-            <a:spLocks/>
-          </p:cNvSpPr>
-          <p:nvPr/>
-        </p:nvSpPr>
-        <p:spPr>
-          <a:xfrm>
-            <a:off x="144651" y="2143125"/>
-            <a:ext cx="8229600" cy="857250"/>
-          </a:xfrm>
-          <a:prstGeom prst="rect">
-            <a:avLst/>
-          </a:prstGeom>
-        </p:spPr>
-        <p:txBody>
-          <a:bodyPr vert="horz" lIns="91440" tIns="45720" rIns="91440" bIns="45720" rtlCol="0" anchor="ctr">
-            <a:normAutofit/>
-          </a:bodyPr>
-          <a:lstStyle>
-            <a:lvl1pPr algn="ctr" defTabSz="342900" rtl="0" eaLnBrk="1" latinLnBrk="0" hangingPunct="1">
-              <a:spcBef>
-                <a:spcPct val="0"/>
-              </a:spcBef>
-              <a:buNone/>
-              <a:defRPr sz="3300" kern="1200">
-                <a:solidFill>
-                  <a:schemeClr val="tx1"/>
-                </a:solidFill>
-                <a:latin typeface="+mj-lt"/>
-                <a:ea typeface="+mj-ea"/>
-                <a:cs typeface="+mj-cs"/>
-              </a:defRPr>
-            </a:lvl1pPr>
-          </a:lstStyle>
-          <a:p>
-            <a:r>
-              <a:rPr lang="en-US" dirty="0"/>
-              <a:t>Discussion</a:t>
             </a:r>
           </a:p>
         </p:txBody>

--- a/docs/blog/journal_club/2024-10-16_jets/index.pptx
+++ b/docs/blog/journal_club/2024-10-16_jets/index.pptx
@@ -1,22 +1,23 @@
 
 <file path=ppt/presentation.xml><?xml version="1.0" encoding="utf-8"?>
-<p:presentation xmlns:a="http://schemas.openxmlformats.org/drawingml/2006/main" xmlns:r="http://schemas.openxmlformats.org/officeDocument/2006/relationships" xmlns:p="http://schemas.openxmlformats.org/presentationml/2006/main" saveSubsetFonts="1" autoCompressPictures="0">
+<p:presentation xmlns:a="http://schemas.openxmlformats.org/drawingml/2006/main" xmlns:p="http://schemas.openxmlformats.org/presentationml/2006/main" xmlns:r="http://schemas.openxmlformats.org/officeDocument/2006/relationships" autoCompressPictures="0" saveSubsetFonts="1">
   <p:sldMasterIdLst>
     <p:sldMasterId id="2147483648" r:id="rId1"/>
   </p:sldMasterIdLst>
-  <p:notesMasterIdLst>
-    <p:notesMasterId r:id="rId11"/>
-  </p:notesMasterIdLst>
   <p:sldIdLst>
     <p:sldId id="256" r:id="rId2"/>
-    <p:sldId id="258" r:id="rId3"/>
-    <p:sldId id="260" r:id="rId4"/>
-    <p:sldId id="261" r:id="rId5"/>
-    <p:sldId id="269" r:id="rId6"/>
-    <p:sldId id="263" r:id="rId7"/>
-    <p:sldId id="265" r:id="rId8"/>
-    <p:sldId id="267" r:id="rId9"/>
-    <p:sldId id="268" r:id="rId10"/>
+    <p:sldId id="257" r:id="rId3"/>
+    <p:sldId id="258" r:id="rId4"/>
+    <p:sldId id="259" r:id="rId5"/>
+    <p:sldId id="260" r:id="rId6"/>
+    <p:sldId id="261" r:id="rId7"/>
+    <p:sldId id="262" r:id="rId8"/>
+    <p:sldId id="263" r:id="rId9"/>
+    <p:sldId id="264" r:id="rId10"/>
+    <p:sldId id="265" r:id="rId11"/>
+    <p:sldId id="266" r:id="rId12"/>
+    <p:sldId id="267" r:id="rId13"/>
+    <p:sldId id="268" r:id="rId14"/>
   </p:sldIdLst>
   <p:sldSz cx="9144000" cy="5143500" type="screen16x9"/>
   <p:notesSz cx="6858000" cy="9144000"/>
@@ -24,8 +25,8 @@
     <a:defPPr>
       <a:defRPr lang="en-US"/>
     </a:defPPr>
-    <a:lvl1pPr marL="0" algn="l" defTabSz="457200" rtl="0" eaLnBrk="1" latinLnBrk="0" hangingPunct="1">
-      <a:defRPr sz="1800" kern="1200">
+    <a:lvl1pPr algn="l" defTabSz="457200" eaLnBrk="1" hangingPunct="1" latinLnBrk="0" marL="0" rtl="0">
+      <a:defRPr kern="1200" sz="1800">
         <a:solidFill>
           <a:schemeClr val="tx1"/>
         </a:solidFill>
@@ -34,8 +35,8 @@
         <a:cs typeface="+mn-cs"/>
       </a:defRPr>
     </a:lvl1pPr>
-    <a:lvl2pPr marL="457200" algn="l" defTabSz="457200" rtl="0" eaLnBrk="1" latinLnBrk="0" hangingPunct="1">
-      <a:defRPr sz="1800" kern="1200">
+    <a:lvl2pPr algn="l" defTabSz="457200" eaLnBrk="1" hangingPunct="1" latinLnBrk="0" marL="457200" rtl="0">
+      <a:defRPr kern="1200" sz="1800">
         <a:solidFill>
           <a:schemeClr val="tx1"/>
         </a:solidFill>
@@ -44,8 +45,8 @@
         <a:cs typeface="+mn-cs"/>
       </a:defRPr>
     </a:lvl2pPr>
-    <a:lvl3pPr marL="914400" algn="l" defTabSz="457200" rtl="0" eaLnBrk="1" latinLnBrk="0" hangingPunct="1">
-      <a:defRPr sz="1800" kern="1200">
+    <a:lvl3pPr algn="l" defTabSz="457200" eaLnBrk="1" hangingPunct="1" latinLnBrk="0" marL="914400" rtl="0">
+      <a:defRPr kern="1200" sz="1800">
         <a:solidFill>
           <a:schemeClr val="tx1"/>
         </a:solidFill>
@@ -54,8 +55,8 @@
         <a:cs typeface="+mn-cs"/>
       </a:defRPr>
     </a:lvl3pPr>
-    <a:lvl4pPr marL="1371600" algn="l" defTabSz="457200" rtl="0" eaLnBrk="1" latinLnBrk="0" hangingPunct="1">
-      <a:defRPr sz="1800" kern="1200">
+    <a:lvl4pPr algn="l" defTabSz="457200" eaLnBrk="1" hangingPunct="1" latinLnBrk="0" marL="1371600" rtl="0">
+      <a:defRPr kern="1200" sz="1800">
         <a:solidFill>
           <a:schemeClr val="tx1"/>
         </a:solidFill>
@@ -64,8 +65,8 @@
         <a:cs typeface="+mn-cs"/>
       </a:defRPr>
     </a:lvl4pPr>
-    <a:lvl5pPr marL="1828800" algn="l" defTabSz="457200" rtl="0" eaLnBrk="1" latinLnBrk="0" hangingPunct="1">
-      <a:defRPr sz="1800" kern="1200">
+    <a:lvl5pPr algn="l" defTabSz="457200" eaLnBrk="1" hangingPunct="1" latinLnBrk="0" marL="1828800" rtl="0">
+      <a:defRPr kern="1200" sz="1800">
         <a:solidFill>
           <a:schemeClr val="tx1"/>
         </a:solidFill>
@@ -74,8 +75,8 @@
         <a:cs typeface="+mn-cs"/>
       </a:defRPr>
     </a:lvl5pPr>
-    <a:lvl6pPr marL="2286000" algn="l" defTabSz="457200" rtl="0" eaLnBrk="1" latinLnBrk="0" hangingPunct="1">
-      <a:defRPr sz="1800" kern="1200">
+    <a:lvl6pPr algn="l" defTabSz="457200" eaLnBrk="1" hangingPunct="1" latinLnBrk="0" marL="2286000" rtl="0">
+      <a:defRPr kern="1200" sz="1800">
         <a:solidFill>
           <a:schemeClr val="tx1"/>
         </a:solidFill>
@@ -84,8 +85,8 @@
         <a:cs typeface="+mn-cs"/>
       </a:defRPr>
     </a:lvl6pPr>
-    <a:lvl7pPr marL="2743200" algn="l" defTabSz="457200" rtl="0" eaLnBrk="1" latinLnBrk="0" hangingPunct="1">
-      <a:defRPr sz="1800" kern="1200">
+    <a:lvl7pPr algn="l" defTabSz="457200" eaLnBrk="1" hangingPunct="1" latinLnBrk="0" marL="2743200" rtl="0">
+      <a:defRPr kern="1200" sz="1800">
         <a:solidFill>
           <a:schemeClr val="tx1"/>
         </a:solidFill>
@@ -94,8 +95,8 @@
         <a:cs typeface="+mn-cs"/>
       </a:defRPr>
     </a:lvl7pPr>
-    <a:lvl8pPr marL="3200400" algn="l" defTabSz="457200" rtl="0" eaLnBrk="1" latinLnBrk="0" hangingPunct="1">
-      <a:defRPr sz="1800" kern="1200">
+    <a:lvl8pPr algn="l" defTabSz="457200" eaLnBrk="1" hangingPunct="1" latinLnBrk="0" marL="3200400" rtl="0">
+      <a:defRPr kern="1200" sz="1800">
         <a:solidFill>
           <a:schemeClr val="tx1"/>
         </a:solidFill>
@@ -104,8 +105,8 @@
         <a:cs typeface="+mn-cs"/>
       </a:defRPr>
     </a:lvl8pPr>
-    <a:lvl9pPr marL="3657600" algn="l" defTabSz="457200" rtl="0" eaLnBrk="1" latinLnBrk="0" hangingPunct="1">
-      <a:defRPr sz="1800" kern="1200">
+    <a:lvl9pPr algn="l" defTabSz="457200" eaLnBrk="1" hangingPunct="1" latinLnBrk="0" marL="3657600" rtl="0">
+      <a:defRPr kern="1200" sz="1800">
         <a:solidFill>
           <a:schemeClr val="tx1"/>
         </a:solidFill>
@@ -134,442 +135,6 @@
 </p:presentation>
 </file>
 
-<file path=ppt/notesMasters/notesMaster1.xml><?xml version="1.0" encoding="utf-8"?>
-<p:notesMaster xmlns:a="http://schemas.openxmlformats.org/drawingml/2006/main" xmlns:r="http://schemas.openxmlformats.org/officeDocument/2006/relationships" xmlns:p="http://schemas.openxmlformats.org/presentationml/2006/main">
-  <p:cSld>
-    <p:bg>
-      <p:bgRef idx="1001">
-        <a:schemeClr val="bg1"/>
-      </p:bgRef>
-    </p:bg>
-    <p:spTree>
-      <p:nvGrpSpPr>
-        <p:cNvPr id="1" name=""/>
-        <p:cNvGrpSpPr/>
-        <p:nvPr/>
-      </p:nvGrpSpPr>
-      <p:grpSpPr>
-        <a:xfrm>
-          <a:off x="0" y="0"/>
-          <a:ext cx="0" cy="0"/>
-          <a:chOff x="0" y="0"/>
-          <a:chExt cx="0" cy="0"/>
-        </a:xfrm>
-      </p:grpSpPr>
-      <p:sp>
-        <p:nvSpPr>
-          <p:cNvPr id="2" name="Header Placeholder 1"/>
-          <p:cNvSpPr>
-            <a:spLocks noGrp="1"/>
-          </p:cNvSpPr>
-          <p:nvPr>
-            <p:ph type="hdr" sz="quarter"/>
-          </p:nvPr>
-        </p:nvSpPr>
-        <p:spPr>
-          <a:xfrm>
-            <a:off x="0" y="0"/>
-            <a:ext cx="2971800" cy="458788"/>
-          </a:xfrm>
-          <a:prstGeom prst="rect">
-            <a:avLst/>
-          </a:prstGeom>
-        </p:spPr>
-        <p:txBody>
-          <a:bodyPr vert="horz" lIns="91440" tIns="45720" rIns="91440" bIns="45720" rtlCol="0"/>
-          <a:lstStyle>
-            <a:lvl1pPr algn="l">
-              <a:defRPr sz="1200"/>
-            </a:lvl1pPr>
-          </a:lstStyle>
-          <a:p>
-            <a:endParaRPr lang="en-US"/>
-          </a:p>
-        </p:txBody>
-      </p:sp>
-      <p:sp>
-        <p:nvSpPr>
-          <p:cNvPr id="3" name="Date Placeholder 2"/>
-          <p:cNvSpPr>
-            <a:spLocks noGrp="1"/>
-          </p:cNvSpPr>
-          <p:nvPr>
-            <p:ph type="dt" idx="1"/>
-          </p:nvPr>
-        </p:nvSpPr>
-        <p:spPr>
-          <a:xfrm>
-            <a:off x="3884613" y="0"/>
-            <a:ext cx="2971800" cy="458788"/>
-          </a:xfrm>
-          <a:prstGeom prst="rect">
-            <a:avLst/>
-          </a:prstGeom>
-        </p:spPr>
-        <p:txBody>
-          <a:bodyPr vert="horz" lIns="91440" tIns="45720" rIns="91440" bIns="45720" rtlCol="0"/>
-          <a:lstStyle>
-            <a:lvl1pPr algn="r">
-              <a:defRPr sz="1200"/>
-            </a:lvl1pPr>
-          </a:lstStyle>
-          <a:p>
-            <a:fld id="{4AA8B640-9458-1D4A-828A-3DA9612812F8}" type="datetimeFigureOut">
-              <a:rPr lang="en-US" smtClean="0"/>
-              <a:t>10/16/24</a:t>
-            </a:fld>
-            <a:endParaRPr lang="en-US"/>
-          </a:p>
-        </p:txBody>
-      </p:sp>
-      <p:sp>
-        <p:nvSpPr>
-          <p:cNvPr id="4" name="Slide Image Placeholder 3"/>
-          <p:cNvSpPr>
-            <a:spLocks noGrp="1" noRot="1" noChangeAspect="1"/>
-          </p:cNvSpPr>
-          <p:nvPr>
-            <p:ph type="sldImg" idx="2"/>
-          </p:nvPr>
-        </p:nvSpPr>
-        <p:spPr>
-          <a:xfrm>
-            <a:off x="685800" y="1143000"/>
-            <a:ext cx="5486400" cy="3086100"/>
-          </a:xfrm>
-          <a:prstGeom prst="rect">
-            <a:avLst/>
-          </a:prstGeom>
-          <a:noFill/>
-          <a:ln w="12700">
-            <a:solidFill>
-              <a:prstClr val="black"/>
-            </a:solidFill>
-          </a:ln>
-        </p:spPr>
-        <p:txBody>
-          <a:bodyPr vert="horz" lIns="91440" tIns="45720" rIns="91440" bIns="45720" rtlCol="0" anchor="ctr"/>
-          <a:lstStyle/>
-          <a:p>
-            <a:endParaRPr lang="en-US"/>
-          </a:p>
-        </p:txBody>
-      </p:sp>
-      <p:sp>
-        <p:nvSpPr>
-          <p:cNvPr id="5" name="Notes Placeholder 4"/>
-          <p:cNvSpPr>
-            <a:spLocks noGrp="1"/>
-          </p:cNvSpPr>
-          <p:nvPr>
-            <p:ph type="body" sz="quarter" idx="3"/>
-          </p:nvPr>
-        </p:nvSpPr>
-        <p:spPr>
-          <a:xfrm>
-            <a:off x="685800" y="4400550"/>
-            <a:ext cx="5486400" cy="3600450"/>
-          </a:xfrm>
-          <a:prstGeom prst="rect">
-            <a:avLst/>
-          </a:prstGeom>
-        </p:spPr>
-        <p:txBody>
-          <a:bodyPr vert="horz" lIns="91440" tIns="45720" rIns="91440" bIns="45720" rtlCol="0"/>
-          <a:lstStyle/>
-          <a:p>
-            <a:pPr lvl="0"/>
-            <a:r>
-              <a:rPr lang="en-US"/>
-              <a:t>Click to edit Master text styles</a:t>
-            </a:r>
-          </a:p>
-          <a:p>
-            <a:pPr lvl="1"/>
-            <a:r>
-              <a:rPr lang="en-US"/>
-              <a:t>Second level</a:t>
-            </a:r>
-          </a:p>
-          <a:p>
-            <a:pPr lvl="2"/>
-            <a:r>
-              <a:rPr lang="en-US"/>
-              <a:t>Third level</a:t>
-            </a:r>
-          </a:p>
-          <a:p>
-            <a:pPr lvl="3"/>
-            <a:r>
-              <a:rPr lang="en-US"/>
-              <a:t>Fourth level</a:t>
-            </a:r>
-          </a:p>
-          <a:p>
-            <a:pPr lvl="4"/>
-            <a:r>
-              <a:rPr lang="en-US"/>
-              <a:t>Fifth level</a:t>
-            </a:r>
-          </a:p>
-        </p:txBody>
-      </p:sp>
-      <p:sp>
-        <p:nvSpPr>
-          <p:cNvPr id="6" name="Footer Placeholder 5"/>
-          <p:cNvSpPr>
-            <a:spLocks noGrp="1"/>
-          </p:cNvSpPr>
-          <p:nvPr>
-            <p:ph type="ftr" sz="quarter" idx="4"/>
-          </p:nvPr>
-        </p:nvSpPr>
-        <p:spPr>
-          <a:xfrm>
-            <a:off x="0" y="8685213"/>
-            <a:ext cx="2971800" cy="458787"/>
-          </a:xfrm>
-          <a:prstGeom prst="rect">
-            <a:avLst/>
-          </a:prstGeom>
-        </p:spPr>
-        <p:txBody>
-          <a:bodyPr vert="horz" lIns="91440" tIns="45720" rIns="91440" bIns="45720" rtlCol="0" anchor="b"/>
-          <a:lstStyle>
-            <a:lvl1pPr algn="l">
-              <a:defRPr sz="1200"/>
-            </a:lvl1pPr>
-          </a:lstStyle>
-          <a:p>
-            <a:endParaRPr lang="en-US"/>
-          </a:p>
-        </p:txBody>
-      </p:sp>
-      <p:sp>
-        <p:nvSpPr>
-          <p:cNvPr id="7" name="Slide Number Placeholder 6"/>
-          <p:cNvSpPr>
-            <a:spLocks noGrp="1"/>
-          </p:cNvSpPr>
-          <p:nvPr>
-            <p:ph type="sldNum" sz="quarter" idx="5"/>
-          </p:nvPr>
-        </p:nvSpPr>
-        <p:spPr>
-          <a:xfrm>
-            <a:off x="3884613" y="8685213"/>
-            <a:ext cx="2971800" cy="458787"/>
-          </a:xfrm>
-          <a:prstGeom prst="rect">
-            <a:avLst/>
-          </a:prstGeom>
-        </p:spPr>
-        <p:txBody>
-          <a:bodyPr vert="horz" lIns="91440" tIns="45720" rIns="91440" bIns="45720" rtlCol="0" anchor="b"/>
-          <a:lstStyle>
-            <a:lvl1pPr algn="r">
-              <a:defRPr sz="1200"/>
-            </a:lvl1pPr>
-          </a:lstStyle>
-          <a:p>
-            <a:fld id="{846BFD4F-F5C8-9F45-929C-9C75440B7063}" type="slidenum">
-              <a:rPr lang="en-US" smtClean="0"/>
-              <a:t>‹#›</a:t>
-            </a:fld>
-            <a:endParaRPr lang="en-US"/>
-          </a:p>
-        </p:txBody>
-      </p:sp>
-    </p:spTree>
-    <p:extLst>
-      <p:ext uri="{BB962C8B-B14F-4D97-AF65-F5344CB8AC3E}">
-        <p14:creationId xmlns:p14="http://schemas.microsoft.com/office/powerpoint/2010/main" val="3122196662"/>
-      </p:ext>
-    </p:extLst>
-  </p:cSld>
-  <p:clrMap bg1="lt1" tx1="dk1" bg2="lt2" tx2="dk2" accent1="accent1" accent2="accent2" accent3="accent3" accent4="accent4" accent5="accent5" accent6="accent6" hlink="hlink" folHlink="folHlink"/>
-  <p:notesStyle>
-    <a:lvl1pPr marL="0" algn="l" defTabSz="914400" rtl="0" eaLnBrk="1" latinLnBrk="0" hangingPunct="1">
-      <a:defRPr sz="1200" kern="1200">
-        <a:solidFill>
-          <a:schemeClr val="tx1"/>
-        </a:solidFill>
-        <a:latin typeface="+mn-lt"/>
-        <a:ea typeface="+mn-ea"/>
-        <a:cs typeface="+mn-cs"/>
-      </a:defRPr>
-    </a:lvl1pPr>
-    <a:lvl2pPr marL="457200" algn="l" defTabSz="914400" rtl="0" eaLnBrk="1" latinLnBrk="0" hangingPunct="1">
-      <a:defRPr sz="1200" kern="1200">
-        <a:solidFill>
-          <a:schemeClr val="tx1"/>
-        </a:solidFill>
-        <a:latin typeface="+mn-lt"/>
-        <a:ea typeface="+mn-ea"/>
-        <a:cs typeface="+mn-cs"/>
-      </a:defRPr>
-    </a:lvl2pPr>
-    <a:lvl3pPr marL="914400" algn="l" defTabSz="914400" rtl="0" eaLnBrk="1" latinLnBrk="0" hangingPunct="1">
-      <a:defRPr sz="1200" kern="1200">
-        <a:solidFill>
-          <a:schemeClr val="tx1"/>
-        </a:solidFill>
-        <a:latin typeface="+mn-lt"/>
-        <a:ea typeface="+mn-ea"/>
-        <a:cs typeface="+mn-cs"/>
-      </a:defRPr>
-    </a:lvl3pPr>
-    <a:lvl4pPr marL="1371600" algn="l" defTabSz="914400" rtl="0" eaLnBrk="1" latinLnBrk="0" hangingPunct="1">
-      <a:defRPr sz="1200" kern="1200">
-        <a:solidFill>
-          <a:schemeClr val="tx1"/>
-        </a:solidFill>
-        <a:latin typeface="+mn-lt"/>
-        <a:ea typeface="+mn-ea"/>
-        <a:cs typeface="+mn-cs"/>
-      </a:defRPr>
-    </a:lvl4pPr>
-    <a:lvl5pPr marL="1828800" algn="l" defTabSz="914400" rtl="0" eaLnBrk="1" latinLnBrk="0" hangingPunct="1">
-      <a:defRPr sz="1200" kern="1200">
-        <a:solidFill>
-          <a:schemeClr val="tx1"/>
-        </a:solidFill>
-        <a:latin typeface="+mn-lt"/>
-        <a:ea typeface="+mn-ea"/>
-        <a:cs typeface="+mn-cs"/>
-      </a:defRPr>
-    </a:lvl5pPr>
-    <a:lvl6pPr marL="2286000" algn="l" defTabSz="914400" rtl="0" eaLnBrk="1" latinLnBrk="0" hangingPunct="1">
-      <a:defRPr sz="1200" kern="1200">
-        <a:solidFill>
-          <a:schemeClr val="tx1"/>
-        </a:solidFill>
-        <a:latin typeface="+mn-lt"/>
-        <a:ea typeface="+mn-ea"/>
-        <a:cs typeface="+mn-cs"/>
-      </a:defRPr>
-    </a:lvl6pPr>
-    <a:lvl7pPr marL="2743200" algn="l" defTabSz="914400" rtl="0" eaLnBrk="1" latinLnBrk="0" hangingPunct="1">
-      <a:defRPr sz="1200" kern="1200">
-        <a:solidFill>
-          <a:schemeClr val="tx1"/>
-        </a:solidFill>
-        <a:latin typeface="+mn-lt"/>
-        <a:ea typeface="+mn-ea"/>
-        <a:cs typeface="+mn-cs"/>
-      </a:defRPr>
-    </a:lvl7pPr>
-    <a:lvl8pPr marL="3200400" algn="l" defTabSz="914400" rtl="0" eaLnBrk="1" latinLnBrk="0" hangingPunct="1">
-      <a:defRPr sz="1200" kern="1200">
-        <a:solidFill>
-          <a:schemeClr val="tx1"/>
-        </a:solidFill>
-        <a:latin typeface="+mn-lt"/>
-        <a:ea typeface="+mn-ea"/>
-        <a:cs typeface="+mn-cs"/>
-      </a:defRPr>
-    </a:lvl8pPr>
-    <a:lvl9pPr marL="3657600" algn="l" defTabSz="914400" rtl="0" eaLnBrk="1" latinLnBrk="0" hangingPunct="1">
-      <a:defRPr sz="1200" kern="1200">
-        <a:solidFill>
-          <a:schemeClr val="tx1"/>
-        </a:solidFill>
-        <a:latin typeface="+mn-lt"/>
-        <a:ea typeface="+mn-ea"/>
-        <a:cs typeface="+mn-cs"/>
-      </a:defRPr>
-    </a:lvl9pPr>
-  </p:notesStyle>
-</p:notesMaster>
-</file>
-
-<file path=ppt/notesSlides/notesSlide1.xml><?xml version="1.0" encoding="utf-8"?>
-<p:notes xmlns:a="http://schemas.openxmlformats.org/drawingml/2006/main" xmlns:r="http://schemas.openxmlformats.org/officeDocument/2006/relationships" xmlns:p="http://schemas.openxmlformats.org/presentationml/2006/main">
-  <p:cSld>
-    <p:spTree>
-      <p:nvGrpSpPr>
-        <p:cNvPr id="1" name=""/>
-        <p:cNvGrpSpPr/>
-        <p:nvPr/>
-      </p:nvGrpSpPr>
-      <p:grpSpPr>
-        <a:xfrm>
-          <a:off x="0" y="0"/>
-          <a:ext cx="0" cy="0"/>
-          <a:chOff x="0" y="0"/>
-          <a:chExt cx="0" cy="0"/>
-        </a:xfrm>
-      </p:grpSpPr>
-      <p:sp>
-        <p:nvSpPr>
-          <p:cNvPr id="2" name="Slide Image Placeholder 1"/>
-          <p:cNvSpPr>
-            <a:spLocks noGrp="1" noRot="1" noChangeAspect="1"/>
-          </p:cNvSpPr>
-          <p:nvPr>
-            <p:ph type="sldImg"/>
-          </p:nvPr>
-        </p:nvSpPr>
-        <p:spPr/>
-      </p:sp>
-      <p:sp>
-        <p:nvSpPr>
-          <p:cNvPr id="3" name="Notes Placeholder 2"/>
-          <p:cNvSpPr>
-            <a:spLocks noGrp="1"/>
-          </p:cNvSpPr>
-          <p:nvPr>
-            <p:ph type="body" idx="1"/>
-          </p:nvPr>
-        </p:nvSpPr>
-        <p:spPr/>
-        <p:txBody>
-          <a:bodyPr/>
-          <a:lstStyle/>
-          <a:p>
-            <a:r>
-              <a:rPr lang="en-US" dirty="0"/>
-              <a:t>since curved shocks are less capable of decelerating flows and thus could produce relatively high speed flows than other shocks.</a:t>
-            </a:r>
-          </a:p>
-        </p:txBody>
-      </p:sp>
-      <p:sp>
-        <p:nvSpPr>
-          <p:cNvPr id="4" name="Slide Number Placeholder 3"/>
-          <p:cNvSpPr>
-            <a:spLocks noGrp="1"/>
-          </p:cNvSpPr>
-          <p:nvPr>
-            <p:ph type="sldNum" sz="quarter" idx="5"/>
-          </p:nvPr>
-        </p:nvSpPr>
-        <p:spPr/>
-        <p:txBody>
-          <a:bodyPr/>
-          <a:lstStyle/>
-          <a:p>
-            <a:fld id="{846BFD4F-F5C8-9F45-929C-9C75440B7063}" type="slidenum">
-              <a:rPr lang="en-US" smtClean="0"/>
-              <a:t>7</a:t>
-            </a:fld>
-            <a:endParaRPr lang="en-US"/>
-          </a:p>
-        </p:txBody>
-      </p:sp>
-    </p:spTree>
-    <p:extLst>
-      <p:ext uri="{BB962C8B-B14F-4D97-AF65-F5344CB8AC3E}">
-        <p14:creationId xmlns:p14="http://schemas.microsoft.com/office/powerpoint/2010/main" val="2147578939"/>
-      </p:ext>
-    </p:extLst>
-  </p:cSld>
-  <p:clrMapOvr>
-    <a:masterClrMapping/>
-  </p:clrMapOvr>
-</p:notes>
-</file>
-
 <file path=ppt/slideLayouts/slideLayout1.xml><?xml version="1.0" encoding="utf-8"?>
 <p:sldLayout xmlns:a="http://schemas.openxmlformats.org/drawingml/2006/main" xmlns:r="http://schemas.openxmlformats.org/officeDocument/2006/relationships" xmlns:p="http://schemas.openxmlformats.org/presentationml/2006/main" type="title" preserve="1">
   <p:cSld name="Title Slide">
@@ -749,7 +314,7 @@
           <a:p>
             <a:fld id="{241EB5C9-1307-BA42-ABA2-0BC069CD8E7F}" type="datetimeFigureOut">
               <a:rPr lang="en-US" smtClean="0"/>
-              <a:t>10/16/24</a:t>
+              <a:t>1/2/22</a:t>
             </a:fld>
             <a:endParaRPr lang="en-US"/>
           </a:p>
@@ -917,7 +482,7 @@
           <a:p>
             <a:fld id="{241EB5C9-1307-BA42-ABA2-0BC069CD8E7F}" type="datetimeFigureOut">
               <a:rPr lang="en-US" smtClean="0"/>
-              <a:t>10/16/24</a:t>
+              <a:t>1/2/22</a:t>
             </a:fld>
             <a:endParaRPr lang="en-US"/>
           </a:p>
@@ -1095,7 +660,7 @@
           <a:p>
             <a:fld id="{241EB5C9-1307-BA42-ABA2-0BC069CD8E7F}" type="datetimeFigureOut">
               <a:rPr lang="en-US" smtClean="0"/>
-              <a:t>10/16/24</a:t>
+              <a:t>1/2/22</a:t>
             </a:fld>
             <a:endParaRPr lang="en-US"/>
           </a:p>
@@ -1263,7 +828,7 @@
           <a:p>
             <a:fld id="{241EB5C9-1307-BA42-ABA2-0BC069CD8E7F}" type="datetimeFigureOut">
               <a:rPr lang="en-US" smtClean="0"/>
-              <a:t>10/16/24</a:t>
+              <a:t>1/2/22</a:t>
             </a:fld>
             <a:endParaRPr lang="en-US"/>
           </a:p>
@@ -1508,7 +1073,7 @@
           <a:p>
             <a:fld id="{241EB5C9-1307-BA42-ABA2-0BC069CD8E7F}" type="datetimeFigureOut">
               <a:rPr lang="en-US" smtClean="0"/>
-              <a:t>10/16/24</a:t>
+              <a:t>1/2/22</a:t>
             </a:fld>
             <a:endParaRPr lang="en-US"/>
           </a:p>
@@ -1793,7 +1358,7 @@
           <a:p>
             <a:fld id="{241EB5C9-1307-BA42-ABA2-0BC069CD8E7F}" type="datetimeFigureOut">
               <a:rPr lang="en-US" smtClean="0"/>
-              <a:t>10/16/24</a:t>
+              <a:t>1/2/22</a:t>
             </a:fld>
             <a:endParaRPr lang="en-US"/>
           </a:p>
@@ -2212,7 +1777,7 @@
           <a:p>
             <a:fld id="{241EB5C9-1307-BA42-ABA2-0BC069CD8E7F}" type="datetimeFigureOut">
               <a:rPr lang="en-US" smtClean="0"/>
-              <a:t>10/16/24</a:t>
+              <a:t>1/2/22</a:t>
             </a:fld>
             <a:endParaRPr lang="en-US"/>
           </a:p>
@@ -2329,7 +1894,7 @@
           <a:p>
             <a:fld id="{241EB5C9-1307-BA42-ABA2-0BC069CD8E7F}" type="datetimeFigureOut">
               <a:rPr lang="en-US" smtClean="0"/>
-              <a:t>10/16/24</a:t>
+              <a:t>1/2/22</a:t>
             </a:fld>
             <a:endParaRPr lang="en-US"/>
           </a:p>
@@ -2424,7 +1989,7 @@
           <a:p>
             <a:fld id="{241EB5C9-1307-BA42-ABA2-0BC069CD8E7F}" type="datetimeFigureOut">
               <a:rPr lang="en-US" smtClean="0"/>
-              <a:t>10/16/24</a:t>
+              <a:t>1/2/22</a:t>
             </a:fld>
             <a:endParaRPr lang="en-US"/>
           </a:p>
@@ -2699,7 +2264,7 @@
           <a:p>
             <a:fld id="{241EB5C9-1307-BA42-ABA2-0BC069CD8E7F}" type="datetimeFigureOut">
               <a:rPr lang="en-US" smtClean="0"/>
-              <a:t>10/16/24</a:t>
+              <a:t>1/2/22</a:t>
             </a:fld>
             <a:endParaRPr lang="en-US"/>
           </a:p>
@@ -2951,7 +2516,7 @@
           <a:p>
             <a:fld id="{241EB5C9-1307-BA42-ABA2-0BC069CD8E7F}" type="datetimeFigureOut">
               <a:rPr lang="en-US" smtClean="0"/>
-              <a:t>10/16/24</a:t>
+              <a:t>1/2/22</a:t>
             </a:fld>
             <a:endParaRPr lang="en-US"/>
           </a:p>
@@ -3013,7 +2578,7 @@
 </file>
 
 <file path=ppt/slideMasters/slideMaster1.xml><?xml version="1.0" encoding="utf-8"?>
-<p:sldMaster xmlns:a="http://schemas.openxmlformats.org/drawingml/2006/main" xmlns:r="http://schemas.openxmlformats.org/officeDocument/2006/relationships" xmlns:p="http://schemas.openxmlformats.org/presentationml/2006/main">
+<p:sldMaster xmlns:a="http://schemas.openxmlformats.org/drawingml/2006/main" xmlns:p="http://schemas.openxmlformats.org/presentationml/2006/main" xmlns:r="http://schemas.openxmlformats.org/officeDocument/2006/relationships">
   <p:cSld>
     <p:bg>
       <p:bgRef idx="1001">
@@ -3054,7 +2619,7 @@
           </a:prstGeom>
         </p:spPr>
         <p:txBody>
-          <a:bodyPr vert="horz" lIns="91440" tIns="45720" rIns="91440" bIns="45720" rtlCol="0" anchor="ctr">
+          <a:bodyPr anchor="ctr" bIns="45720" lIns="91440" rIns="91440" rtlCol="0" tIns="45720" vert="horz">
             <a:normAutofit/>
           </a:bodyPr>
           <a:lstStyle/>
@@ -3073,7 +2638,7 @@
             <a:spLocks noGrp="1"/>
           </p:cNvSpPr>
           <p:nvPr>
-            <p:ph type="body" idx="1"/>
+            <p:ph idx="1" type="body"/>
           </p:nvPr>
         </p:nvSpPr>
         <p:spPr>
@@ -3086,7 +2651,7 @@
           </a:prstGeom>
         </p:spPr>
         <p:txBody>
-          <a:bodyPr vert="horz" lIns="91440" tIns="45720" rIns="91440" bIns="45720" rtlCol="0">
+          <a:bodyPr bIns="45720" lIns="91440" rIns="91440" rtlCol="0" tIns="45720" vert="horz">
             <a:normAutofit/>
           </a:bodyPr>
           <a:lstStyle/>
@@ -3134,7 +2699,7 @@
             <a:spLocks noGrp="1"/>
           </p:cNvSpPr>
           <p:nvPr>
-            <p:ph type="dt" sz="half" idx="2"/>
+            <p:ph idx="2" sz="half" type="dt"/>
           </p:nvPr>
         </p:nvSpPr>
         <p:spPr>
@@ -3147,7 +2712,7 @@
           </a:prstGeom>
         </p:spPr>
         <p:txBody>
-          <a:bodyPr vert="horz" lIns="91440" tIns="45720" rIns="91440" bIns="45720" rtlCol="0" anchor="ctr"/>
+          <a:bodyPr anchor="ctr" bIns="45720" lIns="91440" rIns="91440" rtlCol="0" tIns="45720" vert="horz"/>
           <a:lstStyle>
             <a:lvl1pPr algn="l">
               <a:defRPr sz="900">
@@ -3162,7 +2727,7 @@
           <a:p>
             <a:fld id="{241EB5C9-1307-BA42-ABA2-0BC069CD8E7F}" type="datetimeFigureOut">
               <a:rPr lang="en-US" smtClean="0"/>
-              <a:t>10/16/24</a:t>
+              <a:t>1/2/22</a:t>
             </a:fld>
             <a:endParaRPr lang="en-US"/>
           </a:p>
@@ -3175,7 +2740,7 @@
             <a:spLocks noGrp="1"/>
           </p:cNvSpPr>
           <p:nvPr>
-            <p:ph type="ftr" sz="quarter" idx="3"/>
+            <p:ph idx="3" sz="quarter" type="ftr"/>
           </p:nvPr>
         </p:nvSpPr>
         <p:spPr>
@@ -3188,7 +2753,7 @@
           </a:prstGeom>
         </p:spPr>
         <p:txBody>
-          <a:bodyPr vert="horz" lIns="91440" tIns="45720" rIns="91440" bIns="45720" rtlCol="0" anchor="ctr"/>
+          <a:bodyPr anchor="ctr" bIns="45720" lIns="91440" rIns="91440" rtlCol="0" tIns="45720" vert="horz"/>
           <a:lstStyle>
             <a:lvl1pPr algn="ctr">
               <a:defRPr sz="900">
@@ -3212,7 +2777,7 @@
             <a:spLocks noGrp="1"/>
           </p:cNvSpPr>
           <p:nvPr>
-            <p:ph type="sldNum" sz="quarter" idx="4"/>
+            <p:ph idx="4" sz="quarter" type="sldNum"/>
           </p:nvPr>
         </p:nvSpPr>
         <p:spPr>
@@ -3225,7 +2790,7 @@
           </a:prstGeom>
         </p:spPr>
         <p:txBody>
-          <a:bodyPr vert="horz" lIns="91440" tIns="45720" rIns="91440" bIns="45720" rtlCol="0" anchor="ctr"/>
+          <a:bodyPr anchor="ctr" bIns="45720" lIns="91440" rIns="91440" rtlCol="0" tIns="45720" vert="horz"/>
           <a:lstStyle>
             <a:lvl1pPr algn="r">
               <a:defRPr sz="900">
@@ -3253,7 +2818,7 @@
       </p:ext>
     </p:extLst>
   </p:cSld>
-  <p:clrMap bg1="lt1" tx1="dk1" bg2="lt2" tx2="dk2" accent1="accent1" accent2="accent2" accent3="accent3" accent4="accent4" accent5="accent5" accent6="accent6" hlink="hlink" folHlink="folHlink"/>
+  <p:clrMap accent1="accent1" accent2="accent2" accent3="accent3" accent4="accent4" accent5="accent5" accent6="accent6" bg1="lt1" bg2="lt2" folHlink="folHlink" hlink="hlink" tx1="dk1" tx2="dk2"/>
   <p:sldLayoutIdLst>
     <p:sldLayoutId id="2147483649" r:id="rId1"/>
     <p:sldLayoutId id="2147483650" r:id="rId2"/>
@@ -3269,12 +2834,12 @@
   </p:sldLayoutIdLst>
   <p:txStyles>
     <p:titleStyle>
-      <a:lvl1pPr algn="ctr" defTabSz="342900" rtl="0" eaLnBrk="1" latinLnBrk="0" hangingPunct="1">
+      <a:lvl1pPr algn="ctr" defTabSz="342900" eaLnBrk="1" hangingPunct="1" latinLnBrk="0" rtl="0">
         <a:spcBef>
           <a:spcPct val="0"/>
         </a:spcBef>
         <a:buNone/>
-        <a:defRPr sz="3300" kern="1200">
+        <a:defRPr kern="1200" sz="3300">
           <a:solidFill>
             <a:schemeClr val="tx1"/>
           </a:solidFill>
@@ -3285,13 +2850,13 @@
       </a:lvl1pPr>
     </p:titleStyle>
     <p:bodyStyle>
-      <a:lvl1pPr marL="342900" indent="-342900" algn="l" defTabSz="342900" rtl="0" eaLnBrk="1" latinLnBrk="0" hangingPunct="1">
+      <a:lvl1pPr algn="l" defTabSz="342900" eaLnBrk="1" hangingPunct="1" indent="-342900" latinLnBrk="0" marL="342900" rtl="0">
         <a:spcBef>
           <a:spcPct val="20000"/>
         </a:spcBef>
         <a:buFont typeface="Arial"/>
         <a:buChar char="•"/>
-        <a:defRPr sz="2400" kern="1200">
+        <a:defRPr kern="1200" sz="2400">
           <a:solidFill>
             <a:schemeClr val="tx1"/>
           </a:solidFill>
@@ -3300,13 +2865,13 @@
           <a:cs typeface="+mn-cs"/>
         </a:defRPr>
       </a:lvl1pPr>
-      <a:lvl2pPr marL="685800" indent="-342900" algn="l" defTabSz="342900" rtl="0" eaLnBrk="1" latinLnBrk="0" hangingPunct="1">
+      <a:lvl2pPr algn="l" defTabSz="342900" eaLnBrk="1" hangingPunct="1" indent="-342900" latinLnBrk="0" marL="685800" rtl="0">
         <a:spcBef>
           <a:spcPct val="20000"/>
         </a:spcBef>
         <a:buFont typeface="Arial"/>
         <a:buChar char="–"/>
-        <a:defRPr sz="2100" kern="1200">
+        <a:defRPr kern="1200" sz="2100">
           <a:solidFill>
             <a:schemeClr val="tx1"/>
           </a:solidFill>
@@ -3315,13 +2880,13 @@
           <a:cs typeface="+mn-cs"/>
         </a:defRPr>
       </a:lvl2pPr>
-      <a:lvl3pPr marL="1028700" indent="-342900" algn="l" defTabSz="342900" rtl="0" eaLnBrk="1" latinLnBrk="0" hangingPunct="1">
+      <a:lvl3pPr algn="l" defTabSz="342900" eaLnBrk="1" hangingPunct="1" indent="-342900" latinLnBrk="0" marL="1028700" rtl="0">
         <a:spcBef>
           <a:spcPct val="20000"/>
         </a:spcBef>
         <a:buFont typeface="Arial"/>
         <a:buChar char="•"/>
-        <a:defRPr sz="1800" kern="1200">
+        <a:defRPr kern="1200" sz="1800">
           <a:solidFill>
             <a:schemeClr val="tx1"/>
           </a:solidFill>
@@ -3330,13 +2895,13 @@
           <a:cs typeface="+mn-cs"/>
         </a:defRPr>
       </a:lvl3pPr>
-      <a:lvl4pPr marL="1371600" indent="-342900" algn="l" defTabSz="342900" rtl="0" eaLnBrk="1" latinLnBrk="0" hangingPunct="1">
+      <a:lvl4pPr algn="l" defTabSz="342900" eaLnBrk="1" hangingPunct="1" indent="-342900" latinLnBrk="0" marL="1371600" rtl="0">
         <a:spcBef>
           <a:spcPct val="20000"/>
         </a:spcBef>
         <a:buFont typeface="Arial"/>
         <a:buChar char="–"/>
-        <a:defRPr sz="1500" kern="1200">
+        <a:defRPr kern="1200" sz="1500">
           <a:solidFill>
             <a:schemeClr val="tx1"/>
           </a:solidFill>
@@ -3345,13 +2910,13 @@
           <a:cs typeface="+mn-cs"/>
         </a:defRPr>
       </a:lvl4pPr>
-      <a:lvl5pPr marL="1714500" indent="-342900" algn="l" defTabSz="342900" rtl="0" eaLnBrk="1" latinLnBrk="0" hangingPunct="1">
+      <a:lvl5pPr algn="l" defTabSz="342900" eaLnBrk="1" hangingPunct="1" indent="-342900" latinLnBrk="0" marL="1714500" rtl="0">
         <a:spcBef>
           <a:spcPct val="20000"/>
         </a:spcBef>
         <a:buFont typeface="Arial"/>
         <a:buChar char="»"/>
-        <a:defRPr sz="1500" kern="1200">
+        <a:defRPr kern="1200" sz="1500">
           <a:solidFill>
             <a:schemeClr val="tx1"/>
           </a:solidFill>
@@ -3360,13 +2925,13 @@
           <a:cs typeface="+mn-cs"/>
         </a:defRPr>
       </a:lvl5pPr>
-      <a:lvl6pPr marL="2057400" indent="-342900" algn="l" defTabSz="342900" rtl="0" eaLnBrk="1" latinLnBrk="0" hangingPunct="1">
+      <a:lvl6pPr algn="l" defTabSz="342900" eaLnBrk="1" hangingPunct="1" indent="-342900" latinLnBrk="0" marL="2057400" rtl="0">
         <a:spcBef>
           <a:spcPct val="20000"/>
         </a:spcBef>
         <a:buFont typeface="Arial"/>
         <a:buChar char="•"/>
-        <a:defRPr sz="1500" kern="1200">
+        <a:defRPr kern="1200" sz="1500">
           <a:solidFill>
             <a:schemeClr val="tx1"/>
           </a:solidFill>
@@ -3375,13 +2940,13 @@
           <a:cs typeface="+mn-cs"/>
         </a:defRPr>
       </a:lvl6pPr>
-      <a:lvl7pPr marL="2400300" indent="-342900" algn="l" defTabSz="342900" rtl="0" eaLnBrk="1" latinLnBrk="0" hangingPunct="1">
+      <a:lvl7pPr algn="l" defTabSz="342900" eaLnBrk="1" hangingPunct="1" indent="-342900" latinLnBrk="0" marL="2400300" rtl="0">
         <a:spcBef>
           <a:spcPct val="20000"/>
         </a:spcBef>
         <a:buFont typeface="Arial"/>
         <a:buChar char="•"/>
-        <a:defRPr sz="1500" kern="1200">
+        <a:defRPr kern="1200" sz="1500">
           <a:solidFill>
             <a:schemeClr val="tx1"/>
           </a:solidFill>
@@ -3390,13 +2955,13 @@
           <a:cs typeface="+mn-cs"/>
         </a:defRPr>
       </a:lvl7pPr>
-      <a:lvl8pPr marL="2743200" indent="-342900" algn="l" defTabSz="342900" rtl="0" eaLnBrk="1" latinLnBrk="0" hangingPunct="1">
+      <a:lvl8pPr algn="l" defTabSz="342900" eaLnBrk="1" hangingPunct="1" indent="-342900" latinLnBrk="0" marL="2743200" rtl="0">
         <a:spcBef>
           <a:spcPct val="20000"/>
         </a:spcBef>
         <a:buFont typeface="Arial"/>
         <a:buChar char="•"/>
-        <a:defRPr sz="1500" kern="1200">
+        <a:defRPr kern="1200" sz="1500">
           <a:solidFill>
             <a:schemeClr val="tx1"/>
           </a:solidFill>
@@ -3405,13 +2970,13 @@
           <a:cs typeface="+mn-cs"/>
         </a:defRPr>
       </a:lvl8pPr>
-      <a:lvl9pPr marL="3086100" indent="-342900" algn="l" defTabSz="342900" rtl="0" eaLnBrk="1" latinLnBrk="0" hangingPunct="1">
+      <a:lvl9pPr algn="l" defTabSz="342900" eaLnBrk="1" hangingPunct="1" indent="-342900" latinLnBrk="0" marL="3086100" rtl="0">
         <a:spcBef>
           <a:spcPct val="20000"/>
         </a:spcBef>
         <a:buFont typeface="Arial"/>
         <a:buChar char="•"/>
-        <a:defRPr sz="1500" kern="1200">
+        <a:defRPr kern="1200" sz="1500">
           <a:solidFill>
             <a:schemeClr val="tx1"/>
           </a:solidFill>
@@ -3425,8 +2990,8 @@
       <a:defPPr>
         <a:defRPr lang="en-US"/>
       </a:defPPr>
-      <a:lvl1pPr marL="0" algn="l" defTabSz="342900" rtl="0" eaLnBrk="1" latinLnBrk="0" hangingPunct="1">
-        <a:defRPr sz="1350" kern="1200">
+      <a:lvl1pPr algn="l" defTabSz="342900" eaLnBrk="1" hangingPunct="1" latinLnBrk="0" marL="0" rtl="0">
+        <a:defRPr kern="1200" sz="1350">
           <a:solidFill>
             <a:schemeClr val="tx1"/>
           </a:solidFill>
@@ -3435,8 +3000,8 @@
           <a:cs typeface="+mn-cs"/>
         </a:defRPr>
       </a:lvl1pPr>
-      <a:lvl2pPr marL="342900" algn="l" defTabSz="342900" rtl="0" eaLnBrk="1" latinLnBrk="0" hangingPunct="1">
-        <a:defRPr sz="1350" kern="1200">
+      <a:lvl2pPr algn="l" defTabSz="342900" eaLnBrk="1" hangingPunct="1" latinLnBrk="0" marL="342900" rtl="0">
+        <a:defRPr kern="1200" sz="1350">
           <a:solidFill>
             <a:schemeClr val="tx1"/>
           </a:solidFill>
@@ -3445,8 +3010,8 @@
           <a:cs typeface="+mn-cs"/>
         </a:defRPr>
       </a:lvl2pPr>
-      <a:lvl3pPr marL="685800" algn="l" defTabSz="342900" rtl="0" eaLnBrk="1" latinLnBrk="0" hangingPunct="1">
-        <a:defRPr sz="1350" kern="1200">
+      <a:lvl3pPr algn="l" defTabSz="342900" eaLnBrk="1" hangingPunct="1" latinLnBrk="0" marL="685800" rtl="0">
+        <a:defRPr kern="1200" sz="1350">
           <a:solidFill>
             <a:schemeClr val="tx1"/>
           </a:solidFill>
@@ -3455,8 +3020,8 @@
           <a:cs typeface="+mn-cs"/>
         </a:defRPr>
       </a:lvl3pPr>
-      <a:lvl4pPr marL="1028700" algn="l" defTabSz="342900" rtl="0" eaLnBrk="1" latinLnBrk="0" hangingPunct="1">
-        <a:defRPr sz="1350" kern="1200">
+      <a:lvl4pPr algn="l" defTabSz="342900" eaLnBrk="1" hangingPunct="1" latinLnBrk="0" marL="1028700" rtl="0">
+        <a:defRPr kern="1200" sz="1350">
           <a:solidFill>
             <a:schemeClr val="tx1"/>
           </a:solidFill>
@@ -3465,8 +3030,8 @@
           <a:cs typeface="+mn-cs"/>
         </a:defRPr>
       </a:lvl4pPr>
-      <a:lvl5pPr marL="1371600" algn="l" defTabSz="342900" rtl="0" eaLnBrk="1" latinLnBrk="0" hangingPunct="1">
-        <a:defRPr sz="1350" kern="1200">
+      <a:lvl5pPr algn="l" defTabSz="342900" eaLnBrk="1" hangingPunct="1" latinLnBrk="0" marL="1371600" rtl="0">
+        <a:defRPr kern="1200" sz="1350">
           <a:solidFill>
             <a:schemeClr val="tx1"/>
           </a:solidFill>
@@ -3475,8 +3040,8 @@
           <a:cs typeface="+mn-cs"/>
         </a:defRPr>
       </a:lvl5pPr>
-      <a:lvl6pPr marL="1714500" algn="l" defTabSz="342900" rtl="0" eaLnBrk="1" latinLnBrk="0" hangingPunct="1">
-        <a:defRPr sz="1350" kern="1200">
+      <a:lvl6pPr algn="l" defTabSz="342900" eaLnBrk="1" hangingPunct="1" latinLnBrk="0" marL="1714500" rtl="0">
+        <a:defRPr kern="1200" sz="1350">
           <a:solidFill>
             <a:schemeClr val="tx1"/>
           </a:solidFill>
@@ -3485,8 +3050,8 @@
           <a:cs typeface="+mn-cs"/>
         </a:defRPr>
       </a:lvl6pPr>
-      <a:lvl7pPr marL="2057400" algn="l" defTabSz="342900" rtl="0" eaLnBrk="1" latinLnBrk="0" hangingPunct="1">
-        <a:defRPr sz="1350" kern="1200">
+      <a:lvl7pPr algn="l" defTabSz="342900" eaLnBrk="1" hangingPunct="1" latinLnBrk="0" marL="2057400" rtl="0">
+        <a:defRPr kern="1200" sz="1350">
           <a:solidFill>
             <a:schemeClr val="tx1"/>
           </a:solidFill>
@@ -3495,8 +3060,8 @@
           <a:cs typeface="+mn-cs"/>
         </a:defRPr>
       </a:lvl7pPr>
-      <a:lvl8pPr marL="2400300" algn="l" defTabSz="342900" rtl="0" eaLnBrk="1" latinLnBrk="0" hangingPunct="1">
-        <a:defRPr sz="1350" kern="1200">
+      <a:lvl8pPr algn="l" defTabSz="342900" eaLnBrk="1" hangingPunct="1" latinLnBrk="0" marL="2400300" rtl="0">
+        <a:defRPr kern="1200" sz="1350">
           <a:solidFill>
             <a:schemeClr val="tx1"/>
           </a:solidFill>
@@ -3505,8 +3070,8 @@
           <a:cs typeface="+mn-cs"/>
         </a:defRPr>
       </a:lvl8pPr>
-      <a:lvl9pPr marL="2743200" algn="l" defTabSz="342900" rtl="0" eaLnBrk="1" latinLnBrk="0" hangingPunct="1">
-        <a:defRPr sz="1350" kern="1200">
+      <a:lvl9pPr algn="l" defTabSz="342900" eaLnBrk="1" hangingPunct="1" latinLnBrk="0" marL="2743200" rtl="0">
+        <a:defRPr kern="1200" sz="1350">
           <a:solidFill>
             <a:schemeClr val="tx1"/>
           </a:solidFill>
@@ -3557,10 +3122,11 @@
           <a:bodyPr/>
           <a:lstStyle/>
           <a:p>
-            <a:pPr marL="0" lvl="0" indent="0">
+            <a:pPr lvl="0" indent="0" marL="0">
               <a:buNone/>
             </a:pPr>
             <a:r>
+              <a:rPr/>
               <a:t>Magnetosheath jets at Jupiter and across the solar system</a:t>
             </a:r>
           </a:p>
@@ -3573,7 +3139,7 @@
             <a:spLocks noGrp="1"/>
           </p:cNvSpPr>
           <p:nvPr>
-            <p:ph type="subTitle" idx="1"/>
+            <p:ph idx="1" type="subTitle"/>
           </p:nvPr>
         </p:nvSpPr>
         <p:spPr>
@@ -3586,12 +3152,13 @@
           <a:bodyPr/>
           <a:lstStyle/>
           <a:p>
-            <a:pPr marL="0" lvl="0" indent="0">
+            <a:pPr lvl="0" indent="0" marL="0">
               <a:buNone/>
             </a:pPr>
             <a:br/>
             <a:br/>
             <a:r>
+              <a:rPr/>
               <a:t>Yufei Zhou</a:t>
             </a:r>
           </a:p>
@@ -3604,32 +3171,30 @@
             <a:spLocks noGrp="1"/>
           </p:cNvSpPr>
           <p:nvPr>
-            <p:ph type="dt" sz="half" idx="10"/>
-          </p:nvPr>
-        </p:nvSpPr>
-        <p:spPr/>
-        <p:txBody>
-          <a:bodyPr/>
-          <a:lstStyle/>
-          <a:p>
-            <a:pPr marL="0" lvl="0" indent="0">
+            <p:ph idx="10" sz="half" type="dt"/>
+          </p:nvPr>
+        </p:nvSpPr>
+        <p:spPr/>
+        <p:txBody>
+          <a:bodyPr/>
+          <a:lstStyle/>
+          <a:p>
+            <a:pPr lvl="0" indent="0" marL="0">
               <a:buNone/>
             </a:pPr>
             <a:r>
-              <a:t>2024-10-16</a:t>
+              <a:rPr/>
+              <a:t>2026-01-08</a:t>
             </a:r>
           </a:p>
         </p:txBody>
       </p:sp>
     </p:spTree>
   </p:cSld>
-  <p:clrMapOvr>
-    <a:masterClrMapping/>
-  </p:clrMapOvr>
 </p:sld>
 </file>
 
-<file path=ppt/slides/slide2.xml><?xml version="1.0" encoding="utf-8"?>
+<file path=ppt/slides/slide10.xml><?xml version="1.0" encoding="utf-8"?>
 <p:sld xmlns:a="http://schemas.openxmlformats.org/drawingml/2006/main" xmlns:r="http://schemas.openxmlformats.org/officeDocument/2006/relationships" xmlns:p="http://schemas.openxmlformats.org/presentationml/2006/main">
   <p:cSld>
     <p:spTree>
@@ -3666,11 +3231,12 @@
           <a:bodyPr/>
           <a:lstStyle/>
           <a:p>
-            <a:pPr marL="0" lvl="0" indent="0">
+            <a:pPr lvl="0" indent="0" marL="0">
               <a:buNone/>
             </a:pPr>
             <a:r>
-              <a:t>Introduction - What are magnetosheath jets?</a:t>
+              <a:rPr/>
+              <a:t>Anti-sunward jets</a:t>
             </a:r>
           </a:p>
         </p:txBody>
@@ -3682,51 +3248,54 @@
             <a:spLocks noGrp="1"/>
           </p:cNvSpPr>
           <p:nvPr>
-            <p:ph type="body" sz="half" idx="2"/>
-          </p:nvPr>
-        </p:nvSpPr>
-        <p:spPr/>
-        <p:txBody>
-          <a:bodyPr>
-            <a:normAutofit/>
-          </a:bodyPr>
-          <a:lstStyle/>
-          <a:p>
-            <a:pPr marL="0" lvl="0" indent="0">
+            <p:ph idx="2" sz="half" type="body"/>
+          </p:nvPr>
+        </p:nvSpPr>
+        <p:spPr/>
+        <p:txBody>
+          <a:bodyPr/>
+          <a:lstStyle/>
+          <a:p>
+            <a:pPr lvl="0" indent="0" marL="0">
               <a:buNone/>
             </a:pPr>
-            <a:endParaRPr lang="en-US" sz="2400" dirty="0"/>
-          </a:p>
-          <a:p>
-            <a:pPr marL="0" lvl="0" indent="0">
+            <a:r>
+              <a:rPr/>
+              <a:t>Reminiscent of the cores of HFA convected downstream</a:t>
+            </a:r>
+          </a:p>
+          <a:p>
+            <a:pPr lvl="0" indent="0" marL="0">
               <a:buNone/>
             </a:pPr>
             <a:r>
-              <a:rPr sz="2400" dirty="0"/>
-              <a:t>Large amplitude, yet spatially localized, transient increases in dynamic pressure, known as “</a:t>
-            </a:r>
-            <a:r>
-              <a:rPr sz="2400" dirty="0" err="1"/>
-              <a:t>magnetosheath</a:t>
-            </a:r>
-            <a:r>
-              <a:rPr sz="2400" dirty="0"/>
-              <a:t> jets” or “</a:t>
-            </a:r>
-            <a:r>
-              <a:rPr sz="2400" dirty="0" err="1"/>
-              <a:t>plasmoids</a:t>
-            </a:r>
-            <a:r>
-              <a:rPr sz="2400" dirty="0"/>
-              <a:t>”.</a:t>
+              <a:rPr/>
+              <a:t>The two density peaks contributing to the dynamic pressure corresponded to the plasma pileups on the leading and trailing edges of the HFA.</a:t>
+            </a:r>
+          </a:p>
+          <a:p>
+            <a:pPr lvl="0" indent="0" marL="0">
+              <a:buNone/>
+            </a:pPr>
+            <a:r>
+              <a:rPr/>
+              <a:t>The increased velocity in the jets may be attributed to the curved shock formed during shock–discontinuity interaction, since curved shocks are less capable of decelerating flows and thus could produce relatively high speed flows than other shocks.</a:t>
+            </a:r>
+          </a:p>
+          <a:p>
+            <a:pPr lvl="0" indent="0" marL="0">
+              <a:buNone/>
+            </a:pPr>
+            <a:r>
+              <a:rPr/>
+              <a:t>Fast mode nature (not mirror modes, which exhibit durations ranging from 20 to 120 seconds and sizes equivalent approximately ~ 0.15RJ)</a:t>
             </a:r>
           </a:p>
         </p:txBody>
       </p:sp>
       <p:pic>
         <p:nvPicPr>
-          <p:cNvPr id="3" name="Picture 1" descr="images/paste-7.png"/>
+          <p:cNvPr descr="images/paste-4.png" id="0" name="Picture 1"/>
           <p:cNvPicPr>
             <a:picLocks noGrp="1" noChangeAspect="1"/>
           </p:cNvPicPr>
@@ -3740,8 +3309,8 @@
         </p:blipFill>
         <p:spPr bwMode="auto">
           <a:xfrm>
-            <a:off x="3568700" y="241300"/>
-            <a:ext cx="5105400" cy="4305300"/>
+            <a:off x="4495800" y="203200"/>
+            <a:ext cx="3251200" cy="4381500"/>
           </a:xfrm>
           <a:prstGeom prst="rect">
             <a:avLst/>
@@ -3754,57 +3323,12 @@
           </a:ln>
         </p:spPr>
       </p:pic>
-      <p:sp>
-        <p:nvSpPr>
-          <p:cNvPr id="8" name="TextBox 7">
-            <a:extLst>
-              <a:ext uri="{FF2B5EF4-FFF2-40B4-BE49-F238E27FC236}">
-                <a16:creationId xmlns:a16="http://schemas.microsoft.com/office/drawing/2014/main" id="{12E83E9B-4D1C-EFB2-89EC-069FBD006D32}"/>
-              </a:ext>
-            </a:extLst>
-          </p:cNvPr>
-          <p:cNvSpPr txBox="1"/>
-          <p:nvPr/>
-        </p:nvSpPr>
-        <p:spPr>
-          <a:xfrm>
-            <a:off x="5165387" y="4576113"/>
-            <a:ext cx="4572000" cy="369332"/>
-          </a:xfrm>
-          <a:prstGeom prst="rect">
-            <a:avLst/>
-          </a:prstGeom>
-          <a:noFill/>
-        </p:spPr>
-        <p:txBody>
-          <a:bodyPr wrap="square">
-            <a:spAutoFit/>
-          </a:bodyPr>
-          <a:lstStyle/>
-          <a:p>
-            <a:pPr marL="0" lvl="0" indent="0">
-              <a:buNone/>
-            </a:pPr>
-            <a:r>
-              <a:rPr lang="en-US" dirty="0" err="1"/>
-              <a:t>Plaschke</a:t>
-            </a:r>
-            <a:r>
-              <a:rPr lang="en-US" dirty="0"/>
-              <a:t> et al. (2018)</a:t>
-            </a:r>
-          </a:p>
-        </p:txBody>
-      </p:sp>
     </p:spTree>
   </p:cSld>
-  <p:clrMapOvr>
-    <a:masterClrMapping/>
-  </p:clrMapOvr>
 </p:sld>
 </file>
 
-<file path=ppt/slides/slide3.xml><?xml version="1.0" encoding="utf-8"?>
+<file path=ppt/slides/slide11.xml><?xml version="1.0" encoding="utf-8"?>
 <p:sld xmlns:a="http://schemas.openxmlformats.org/drawingml/2006/main" xmlns:r="http://schemas.openxmlformats.org/officeDocument/2006/relationships" xmlns:p="http://schemas.openxmlformats.org/presentationml/2006/main">
   <p:cSld>
     <p:spTree>
@@ -3821,413 +3345,42 @@
           <a:chExt cx="0" cy="0"/>
         </a:xfrm>
       </p:grpSpPr>
-      <p:sp>
-        <p:nvSpPr>
-          <p:cNvPr id="2" name="Title 1"/>
-          <p:cNvSpPr>
-            <a:spLocks noGrp="1"/>
-          </p:cNvSpPr>
-          <p:nvPr>
-            <p:ph type="title"/>
-          </p:nvPr>
-        </p:nvSpPr>
-        <p:spPr/>
-        <p:txBody>
-          <a:bodyPr/>
-          <a:lstStyle/>
-          <a:p>
-            <a:pPr marL="0" lvl="0" indent="0">
-              <a:buNone/>
-            </a:pPr>
-            <a:r>
-              <a:rPr dirty="0"/>
-              <a:t>Why </a:t>
-            </a:r>
-            <a:r>
-              <a:rPr dirty="0" err="1"/>
-              <a:t>Jupyter</a:t>
-            </a:r>
-            <a:r>
-              <a:rPr dirty="0"/>
-              <a:t>?</a:t>
-            </a:r>
-          </a:p>
-        </p:txBody>
-      </p:sp>
-      <p:sp>
-        <p:nvSpPr>
-          <p:cNvPr id="3" name="Content Placeholder 2"/>
-          <p:cNvSpPr>
-            <a:spLocks noGrp="1"/>
-          </p:cNvSpPr>
-          <p:nvPr>
-            <p:ph idx="1"/>
-          </p:nvPr>
-        </p:nvSpPr>
-        <p:spPr>
+      <p:pic>
+        <p:nvPicPr>
+          <p:cNvPr descr="images/paste-2.png" id="0" name="Picture 1"/>
+          <p:cNvPicPr>
+            <a:picLocks noGrp="1" noChangeAspect="1"/>
+          </p:cNvPicPr>
+          <p:nvPr/>
+        </p:nvPicPr>
+        <p:blipFill>
+          <a:blip r:embed="rId2"/>
+          <a:stretch>
+            <a:fillRect/>
+          </a:stretch>
+        </p:blipFill>
+        <p:spPr bwMode="auto">
           <a:xfrm>
-            <a:off x="457200" y="1200150"/>
-            <a:ext cx="8229600" cy="3943349"/>
+            <a:off x="3149600" y="1193800"/>
+            <a:ext cx="2832100" cy="3390900"/>
           </a:xfrm>
+          <a:prstGeom prst="rect">
+            <a:avLst/>
+          </a:prstGeom>
+          <a:noFill/>
+          <a:ln w="9525">
+            <a:noFill/>
+            <a:headEnd/>
+            <a:tailEnd/>
+          </a:ln>
         </p:spPr>
-        <p:txBody>
-          <a:bodyPr>
-            <a:normAutofit fontScale="85000" lnSpcReduction="20000"/>
-          </a:bodyPr>
-          <a:lstStyle/>
-          <a:p>
-            <a:pPr marL="0" lvl="0" indent="0">
-              <a:buNone/>
-            </a:pPr>
-            <a:r>
-              <a:rPr dirty="0"/>
-              <a:t>Most jets are observed in quasi-parallel shocked </a:t>
-            </a:r>
-            <a:r>
-              <a:rPr dirty="0" err="1"/>
-              <a:t>magnetosheath</a:t>
-            </a:r>
-            <a:r>
-              <a:rPr dirty="0"/>
-              <a:t> (presence of foreshock):</a:t>
-            </a:r>
-          </a:p>
-          <a:p>
-            <a:pPr lvl="0"/>
-            <a:r>
-              <a:rPr dirty="0"/>
-              <a:t>Formation mechanism: shock rippling (97%), shock reformation, and shock interaction with rotational discontinuities</a:t>
-            </a:r>
-          </a:p>
-          <a:p>
-            <a:pPr marL="0" lvl="0" indent="0">
-              <a:buNone/>
-            </a:pPr>
-            <a:r>
-              <a:rPr dirty="0"/>
-              <a:t>Quasiperpendicular shocks are less favorable</a:t>
-            </a:r>
-          </a:p>
-          <a:p>
-            <a:pPr lvl="0"/>
-            <a:r>
-              <a:rPr dirty="0"/>
-              <a:t>Formation mechanism: shock interaction with discontinuities; mirror modes…</a:t>
-            </a:r>
-          </a:p>
-          <a:p>
-            <a:pPr lvl="0"/>
-            <a:r>
-              <a:rPr dirty="0"/>
-              <a:t>Magnetic flux tubes that are embedded in the </a:t>
-            </a:r>
-            <a:r>
-              <a:rPr dirty="0" err="1"/>
-              <a:t>Qper</a:t>
-            </a:r>
-            <a:r>
-              <a:rPr dirty="0"/>
-              <a:t> </a:t>
-            </a:r>
-            <a:r>
-              <a:rPr dirty="0" err="1"/>
-              <a:t>magnetosheath</a:t>
-            </a:r>
-            <a:r>
-              <a:rPr dirty="0"/>
-              <a:t> but are connected to the </a:t>
-            </a:r>
-            <a:r>
-              <a:rPr dirty="0" err="1"/>
-              <a:t>Qpar</a:t>
-            </a:r>
-            <a:r>
-              <a:rPr dirty="0"/>
-              <a:t> section of the bow-shock (</a:t>
-            </a:r>
-            <a:r>
-              <a:rPr dirty="0" err="1"/>
-              <a:t>Kajdič</a:t>
-            </a:r>
-            <a:r>
-              <a:rPr dirty="0"/>
-              <a:t> et al. 2021)</a:t>
-            </a:r>
-          </a:p>
-          <a:p>
-            <a:pPr marL="0" lvl="0" indent="0">
-              <a:buNone/>
-            </a:pPr>
-            <a:r>
-              <a:rPr dirty="0"/>
-              <a:t>Subsolar bow shocks of outer planets are more frequently quasi-perpendicular (due to the Parker spiral)</a:t>
-            </a:r>
-          </a:p>
-          <a:p>
-            <a:pPr marL="0" lvl="0" indent="0">
-              <a:buNone/>
-            </a:pPr>
-            <a:endParaRPr lang="en-US" dirty="0"/>
-          </a:p>
-          <a:p>
-            <a:pPr marL="0" lvl="0" indent="0">
-              <a:buNone/>
-            </a:pPr>
-            <a:r>
-              <a:rPr dirty="0"/>
-              <a:t>Parametric variation of jets</a:t>
-            </a:r>
-          </a:p>
-        </p:txBody>
-      </p:sp>
+      </p:pic>
     </p:spTree>
   </p:cSld>
-  <p:clrMapOvr>
-    <a:masterClrMapping/>
-  </p:clrMapOvr>
-  <p:timing>
-    <p:tnLst>
-      <p:par>
-        <p:cTn id="1" dur="indefinite" restart="never" nodeType="tmRoot">
-          <p:childTnLst>
-            <p:seq concurrent="1" nextAc="seek">
-              <p:cTn id="2" dur="indefinite" nodeType="mainSeq">
-                <p:childTnLst>
-                  <p:par>
-                    <p:cTn id="3" fill="hold">
-                      <p:stCondLst>
-                        <p:cond delay="indefinite"/>
-                      </p:stCondLst>
-                      <p:childTnLst>
-                        <p:par>
-                          <p:cTn id="4" fill="hold">
-                            <p:stCondLst>
-                              <p:cond delay="0"/>
-                            </p:stCondLst>
-                            <p:childTnLst>
-                              <p:par>
-                                <p:cTn id="5" presetID="1" presetClass="entr" presetSubtype="0" fill="hold" nodeType="clickEffect">
-                                  <p:stCondLst>
-                                    <p:cond delay="0"/>
-                                  </p:stCondLst>
-                                  <p:childTnLst>
-                                    <p:set>
-                                      <p:cBhvr>
-                                        <p:cTn id="6" dur="1" fill="hold">
-                                          <p:stCondLst>
-                                            <p:cond delay="0"/>
-                                          </p:stCondLst>
-                                        </p:cTn>
-                                        <p:tgtEl>
-                                          <p:spTgt spid="3">
-                                            <p:txEl>
-                                              <p:pRg st="2" end="2"/>
-                                            </p:txEl>
-                                          </p:spTgt>
-                                        </p:tgtEl>
-                                        <p:attrNameLst>
-                                          <p:attrName>style.visibility</p:attrName>
-                                        </p:attrNameLst>
-                                      </p:cBhvr>
-                                      <p:to>
-                                        <p:strVal val="visible"/>
-                                      </p:to>
-                                    </p:set>
-                                  </p:childTnLst>
-                                </p:cTn>
-                              </p:par>
-                            </p:childTnLst>
-                          </p:cTn>
-                        </p:par>
-                      </p:childTnLst>
-                    </p:cTn>
-                  </p:par>
-                  <p:par>
-                    <p:cTn id="7" fill="hold">
-                      <p:stCondLst>
-                        <p:cond delay="indefinite"/>
-                      </p:stCondLst>
-                      <p:childTnLst>
-                        <p:par>
-                          <p:cTn id="8" fill="hold">
-                            <p:stCondLst>
-                              <p:cond delay="0"/>
-                            </p:stCondLst>
-                            <p:childTnLst>
-                              <p:par>
-                                <p:cTn id="9" presetID="1" presetClass="entr" presetSubtype="0" fill="hold" nodeType="clickEffect">
-                                  <p:stCondLst>
-                                    <p:cond delay="0"/>
-                                  </p:stCondLst>
-                                  <p:childTnLst>
-                                    <p:set>
-                                      <p:cBhvr>
-                                        <p:cTn id="10" dur="1" fill="hold">
-                                          <p:stCondLst>
-                                            <p:cond delay="0"/>
-                                          </p:stCondLst>
-                                        </p:cTn>
-                                        <p:tgtEl>
-                                          <p:spTgt spid="3">
-                                            <p:txEl>
-                                              <p:pRg st="3" end="3"/>
-                                            </p:txEl>
-                                          </p:spTgt>
-                                        </p:tgtEl>
-                                        <p:attrNameLst>
-                                          <p:attrName>style.visibility</p:attrName>
-                                        </p:attrNameLst>
-                                      </p:cBhvr>
-                                      <p:to>
-                                        <p:strVal val="visible"/>
-                                      </p:to>
-                                    </p:set>
-                                  </p:childTnLst>
-                                </p:cTn>
-                              </p:par>
-                              <p:par>
-                                <p:cTn id="11" presetID="1" presetClass="entr" presetSubtype="0" fill="hold" nodeType="withEffect">
-                                  <p:stCondLst>
-                                    <p:cond delay="0"/>
-                                  </p:stCondLst>
-                                  <p:childTnLst>
-                                    <p:set>
-                                      <p:cBhvr>
-                                        <p:cTn id="12" dur="1" fill="hold">
-                                          <p:stCondLst>
-                                            <p:cond delay="0"/>
-                                          </p:stCondLst>
-                                        </p:cTn>
-                                        <p:tgtEl>
-                                          <p:spTgt spid="3">
-                                            <p:txEl>
-                                              <p:pRg st="4" end="4"/>
-                                            </p:txEl>
-                                          </p:spTgt>
-                                        </p:tgtEl>
-                                        <p:attrNameLst>
-                                          <p:attrName>style.visibility</p:attrName>
-                                        </p:attrNameLst>
-                                      </p:cBhvr>
-                                      <p:to>
-                                        <p:strVal val="visible"/>
-                                      </p:to>
-                                    </p:set>
-                                  </p:childTnLst>
-                                </p:cTn>
-                              </p:par>
-                            </p:childTnLst>
-                          </p:cTn>
-                        </p:par>
-                      </p:childTnLst>
-                    </p:cTn>
-                  </p:par>
-                  <p:par>
-                    <p:cTn id="13" fill="hold">
-                      <p:stCondLst>
-                        <p:cond delay="indefinite"/>
-                      </p:stCondLst>
-                      <p:childTnLst>
-                        <p:par>
-                          <p:cTn id="14" fill="hold">
-                            <p:stCondLst>
-                              <p:cond delay="0"/>
-                            </p:stCondLst>
-                            <p:childTnLst>
-                              <p:par>
-                                <p:cTn id="15" presetID="1" presetClass="entr" presetSubtype="0" fill="hold" nodeType="clickEffect">
-                                  <p:stCondLst>
-                                    <p:cond delay="0"/>
-                                  </p:stCondLst>
-                                  <p:childTnLst>
-                                    <p:set>
-                                      <p:cBhvr>
-                                        <p:cTn id="16" dur="1" fill="hold">
-                                          <p:stCondLst>
-                                            <p:cond delay="0"/>
-                                          </p:stCondLst>
-                                        </p:cTn>
-                                        <p:tgtEl>
-                                          <p:spTgt spid="3">
-                                            <p:txEl>
-                                              <p:pRg st="5" end="5"/>
-                                            </p:txEl>
-                                          </p:spTgt>
-                                        </p:tgtEl>
-                                        <p:attrNameLst>
-                                          <p:attrName>style.visibility</p:attrName>
-                                        </p:attrNameLst>
-                                      </p:cBhvr>
-                                      <p:to>
-                                        <p:strVal val="visible"/>
-                                      </p:to>
-                                    </p:set>
-                                  </p:childTnLst>
-                                </p:cTn>
-                              </p:par>
-                              <p:par>
-                                <p:cTn id="17" presetID="1" presetClass="entr" presetSubtype="0" fill="hold" nodeType="withEffect">
-                                  <p:stCondLst>
-                                    <p:cond delay="0"/>
-                                  </p:stCondLst>
-                                  <p:childTnLst>
-                                    <p:set>
-                                      <p:cBhvr>
-                                        <p:cTn id="18" dur="1" fill="hold">
-                                          <p:stCondLst>
-                                            <p:cond delay="0"/>
-                                          </p:stCondLst>
-                                        </p:cTn>
-                                        <p:tgtEl>
-                                          <p:spTgt spid="3">
-                                            <p:txEl>
-                                              <p:pRg st="7" end="7"/>
-                                            </p:txEl>
-                                          </p:spTgt>
-                                        </p:tgtEl>
-                                        <p:attrNameLst>
-                                          <p:attrName>style.visibility</p:attrName>
-                                        </p:attrNameLst>
-                                      </p:cBhvr>
-                                      <p:to>
-                                        <p:strVal val="visible"/>
-                                      </p:to>
-                                    </p:set>
-                                  </p:childTnLst>
-                                </p:cTn>
-                              </p:par>
-                            </p:childTnLst>
-                          </p:cTn>
-                        </p:par>
-                      </p:childTnLst>
-                    </p:cTn>
-                  </p:par>
-                </p:childTnLst>
-              </p:cTn>
-              <p:prevCondLst>
-                <p:cond evt="onPrev" delay="0">
-                  <p:tgtEl>
-                    <p:sldTgt/>
-                  </p:tgtEl>
-                </p:cond>
-              </p:prevCondLst>
-              <p:nextCondLst>
-                <p:cond evt="onNext" delay="0">
-                  <p:tgtEl>
-                    <p:sldTgt/>
-                  </p:tgtEl>
-                </p:cond>
-              </p:nextCondLst>
-            </p:seq>
-          </p:childTnLst>
-        </p:cTn>
-      </p:par>
-    </p:tnLst>
-  </p:timing>
 </p:sld>
 </file>
 
-<file path=ppt/slides/slide4.xml><?xml version="1.0" encoding="utf-8"?>
+<file path=ppt/slides/slide12.xml><?xml version="1.0" encoding="utf-8"?>
 <p:sld xmlns:a="http://schemas.openxmlformats.org/drawingml/2006/main" xmlns:r="http://schemas.openxmlformats.org/officeDocument/2006/relationships" xmlns:p="http://schemas.openxmlformats.org/presentationml/2006/main">
   <p:cSld>
     <p:spTree>
@@ -4264,15 +3417,13 @@
           <a:bodyPr/>
           <a:lstStyle/>
           <a:p>
-            <a:r>
-              <a:rPr dirty="0"/>
-              <a:t>Results</a:t>
-            </a:r>
-            <a:r>
-              <a:rPr lang="en-US" dirty="0"/>
-              <a:t> - Voyager 2 observation</a:t>
-            </a:r>
-            <a:endParaRPr dirty="0"/>
+            <a:pPr lvl="0" indent="0" marL="0">
+              <a:buNone/>
+            </a:pPr>
+            <a:r>
+              <a:rPr/>
+              <a:t>Comparing magnetosheath jets across planets</a:t>
+            </a:r>
           </a:p>
         </p:txBody>
       </p:sp>
@@ -4283,1287 +3434,36 @@
             <a:spLocks noGrp="1"/>
           </p:cNvSpPr>
           <p:nvPr>
-            <p:ph type="body" sz="half" idx="2"/>
-          </p:nvPr>
-        </p:nvSpPr>
-        <p:spPr>
-          <a:xfrm>
-            <a:off x="457201" y="1076325"/>
-            <a:ext cx="3008313" cy="4316941"/>
-          </a:xfrm>
-        </p:spPr>
-        <p:txBody>
-          <a:bodyPr>
-            <a:normAutofit lnSpcReduction="10000"/>
-          </a:bodyPr>
-          <a:lstStyle/>
-          <a:p>
-            <a:pPr marL="0" lvl="0" indent="0">
+            <p:ph idx="2" sz="half" type="body"/>
+          </p:nvPr>
+        </p:nvSpPr>
+        <p:spPr/>
+        <p:txBody>
+          <a:bodyPr/>
+          <a:lstStyle/>
+          <a:p>
+            <a:pPr lvl="0" indent="0" marL="0">
               <a:buNone/>
             </a:pPr>
             <a:r>
-              <a:rPr sz="1400" dirty="0"/>
-              <a:t>Jupiter-Sun-Orbital (JSO) Cartesian and spherical coordinates. </a:t>
-            </a:r>
-            <a:endParaRPr lang="en-US" sz="1400" dirty="0"/>
-          </a:p>
-          <a:p>
-            <a:pPr marL="0" lvl="0" indent="0">
+              <a:rPr/>
+              <a:t>ten minutes and can even approach an hour.</a:t>
+            </a:r>
+          </a:p>
+          <a:p>
+            <a:pPr lvl="0" indent="0" marL="0">
               <a:buNone/>
             </a:pPr>
             <a:r>
-              <a:rPr sz="1400" dirty="0"/>
-              <a:t>x-axis</a:t>
-            </a:r>
-            <a:r>
-              <a:rPr lang="en-US" sz="1400" dirty="0"/>
-              <a:t>: </a:t>
-            </a:r>
-            <a:r>
-              <a:rPr sz="1400" dirty="0"/>
-              <a:t>points from Jupiter to the Sun</a:t>
-            </a:r>
-            <a:endParaRPr lang="en-US" sz="1400" dirty="0"/>
-          </a:p>
-          <a:p>
-            <a:pPr marL="0" lvl="0" indent="0">
-              <a:buNone/>
-            </a:pPr>
-            <a:r>
-              <a:rPr sz="1400" dirty="0"/>
-              <a:t>z-axis</a:t>
-            </a:r>
-            <a:r>
-              <a:rPr lang="en-US" sz="1400" dirty="0"/>
-              <a:t>: </a:t>
-            </a:r>
-            <a:r>
-              <a:rPr sz="1400" dirty="0"/>
-              <a:t>aligned with </a:t>
-            </a:r>
-            <a:r>
-              <a:rPr sz="1400" dirty="0" err="1"/>
-              <a:t>vJ</a:t>
-            </a:r>
-            <a:r>
-              <a:rPr sz="1400" dirty="0"/>
-              <a:t> ×</a:t>
-            </a:r>
-            <a:r>
-              <a:rPr lang="en-US" sz="1400" dirty="0"/>
-              <a:t> x</a:t>
-            </a:r>
-            <a:endParaRPr sz="1400" dirty="0"/>
-          </a:p>
-          <a:p>
-            <a:pPr marL="0" lvl="0" indent="0">
-              <a:buNone/>
-            </a:pPr>
-            <a:endParaRPr lang="en-US" sz="1400" dirty="0"/>
-          </a:p>
-          <a:p>
-            <a:pPr marL="0" lvl="0" indent="0">
-              <a:buNone/>
-            </a:pPr>
-            <a:endParaRPr lang="en-US" sz="1400" dirty="0"/>
-          </a:p>
-          <a:p>
-            <a:pPr marL="0" lvl="0" indent="0">
-              <a:buNone/>
-            </a:pPr>
-            <a:endParaRPr lang="en-US" sz="1400" dirty="0"/>
-          </a:p>
-          <a:p>
-            <a:pPr marL="0" lvl="0" indent="0">
-              <a:buNone/>
-            </a:pPr>
-            <a:endParaRPr lang="en-US" sz="1400" dirty="0"/>
-          </a:p>
-          <a:p>
-            <a:pPr marL="0" lvl="0" indent="0">
-              <a:buNone/>
-            </a:pPr>
-            <a:endParaRPr lang="en-US" sz="1400" dirty="0"/>
-          </a:p>
-          <a:p>
-            <a:pPr marL="0" lvl="0" indent="0">
-              <a:buNone/>
-            </a:pPr>
-            <a:endParaRPr lang="en-US" sz="1400" dirty="0"/>
-          </a:p>
-          <a:p>
-            <a:pPr marL="0" lvl="0" indent="0">
-              <a:buNone/>
-            </a:pPr>
-            <a:r>
-              <a:rPr lang="en-US" sz="1400" dirty="0"/>
-              <a:t>Significant variations, indicating quasi-parallel </a:t>
-            </a:r>
-            <a:r>
-              <a:rPr lang="en-US" sz="1400" dirty="0" err="1"/>
-              <a:t>magnetosheath</a:t>
-            </a:r>
-            <a:r>
-              <a:rPr lang="en-US" sz="1400" dirty="0"/>
-              <a:t> conditions.</a:t>
-            </a:r>
-          </a:p>
-          <a:p>
-            <a:pPr marL="0" lvl="0" indent="0">
-              <a:buNone/>
-            </a:pPr>
-            <a:endParaRPr lang="en-US" sz="1400" dirty="0"/>
-          </a:p>
-          <a:p>
-            <a:pPr marL="0" lvl="0" indent="0">
-              <a:buNone/>
-            </a:pPr>
-            <a:r>
-              <a:rPr lang="en-US" sz="1400" dirty="0"/>
-              <a:t>Magnetic field standard deviation and high energy ion flux are good local indicators to distinguish between quasi-parallel and quasi-perpendicular </a:t>
-            </a:r>
-            <a:r>
-              <a:rPr lang="en-US" sz="1400" dirty="0" err="1"/>
-              <a:t>magnetosheath</a:t>
-            </a:r>
-            <a:r>
-              <a:rPr lang="en-US" sz="1400" dirty="0"/>
-              <a:t>.</a:t>
+              <a:rPr/>
+              <a:t>Much longer than the durations observed for jets at Earth (up to ~ 3 min)</a:t>
             </a:r>
           </a:p>
         </p:txBody>
       </p:sp>
       <p:pic>
         <p:nvPicPr>
-          <p:cNvPr id="3" name="Picture 1" descr="images/paste-1.png"/>
-          <p:cNvPicPr>
-            <a:picLocks noGrp="1" noChangeAspect="1"/>
-          </p:cNvPicPr>
-          <p:nvPr/>
-        </p:nvPicPr>
-        <p:blipFill>
-          <a:blip r:embed="rId2"/>
-          <a:stretch>
-            <a:fillRect/>
-          </a:stretch>
-        </p:blipFill>
-        <p:spPr bwMode="auto">
-          <a:xfrm>
-            <a:off x="3624769" y="0"/>
-            <a:ext cx="5575852" cy="5143500"/>
-          </a:xfrm>
-          <a:prstGeom prst="rect">
-            <a:avLst/>
-          </a:prstGeom>
-          <a:noFill/>
-          <a:ln w="9525">
-            <a:noFill/>
-            <a:headEnd/>
-            <a:tailEnd/>
-          </a:ln>
-        </p:spPr>
-      </p:pic>
-      <p:pic>
-        <p:nvPicPr>
-          <p:cNvPr id="5" name="Picture 4" descr="images/paste-6.png">
-            <a:extLst>
-              <a:ext uri="{FF2B5EF4-FFF2-40B4-BE49-F238E27FC236}">
-                <a16:creationId xmlns:a16="http://schemas.microsoft.com/office/drawing/2014/main" id="{6A915D41-AB33-7E19-9E98-FAA5E34B6087}"/>
-              </a:ext>
-            </a:extLst>
-          </p:cNvPr>
-          <p:cNvPicPr>
-            <a:picLocks noGrp="1" noChangeAspect="1"/>
-          </p:cNvPicPr>
-          <p:nvPr/>
-        </p:nvPicPr>
-        <p:blipFill>
-          <a:blip r:embed="rId3"/>
-          <a:stretch>
-            <a:fillRect/>
-          </a:stretch>
-        </p:blipFill>
-        <p:spPr bwMode="auto">
-          <a:xfrm>
-            <a:off x="670479" y="2214386"/>
-            <a:ext cx="1985433" cy="1002594"/>
-          </a:xfrm>
-          <a:prstGeom prst="rect">
-            <a:avLst/>
-          </a:prstGeom>
-          <a:noFill/>
-          <a:ln w="9525">
-            <a:noFill/>
-            <a:headEnd/>
-            <a:tailEnd/>
-          </a:ln>
-        </p:spPr>
-      </p:pic>
-    </p:spTree>
-  </p:cSld>
-  <p:clrMapOvr>
-    <a:masterClrMapping/>
-  </p:clrMapOvr>
-  <p:timing>
-    <p:tnLst>
-      <p:par>
-        <p:cTn id="1" dur="indefinite" restart="never" nodeType="tmRoot">
-          <p:childTnLst>
-            <p:seq concurrent="1" nextAc="seek">
-              <p:cTn id="2" dur="indefinite" nodeType="mainSeq">
-                <p:childTnLst>
-                  <p:par>
-                    <p:cTn id="3" fill="hold">
-                      <p:stCondLst>
-                        <p:cond delay="indefinite"/>
-                      </p:stCondLst>
-                      <p:childTnLst>
-                        <p:par>
-                          <p:cTn id="4" fill="hold">
-                            <p:stCondLst>
-                              <p:cond delay="0"/>
-                            </p:stCondLst>
-                            <p:childTnLst>
-                              <p:par>
-                                <p:cTn id="5" presetID="1" presetClass="entr" presetSubtype="0" fill="hold" nodeType="clickEffect">
-                                  <p:stCondLst>
-                                    <p:cond delay="0"/>
-                                  </p:stCondLst>
-                                  <p:childTnLst>
-                                    <p:set>
-                                      <p:cBhvr>
-                                        <p:cTn id="6" dur="1" fill="hold">
-                                          <p:stCondLst>
-                                            <p:cond delay="0"/>
-                                          </p:stCondLst>
-                                        </p:cTn>
-                                        <p:tgtEl>
-                                          <p:spTgt spid="4">
-                                            <p:txEl>
-                                              <p:pRg st="9" end="9"/>
-                                            </p:txEl>
-                                          </p:spTgt>
-                                        </p:tgtEl>
-                                        <p:attrNameLst>
-                                          <p:attrName>style.visibility</p:attrName>
-                                        </p:attrNameLst>
-                                      </p:cBhvr>
-                                      <p:to>
-                                        <p:strVal val="visible"/>
-                                      </p:to>
-                                    </p:set>
-                                  </p:childTnLst>
-                                </p:cTn>
-                              </p:par>
-                            </p:childTnLst>
-                          </p:cTn>
-                        </p:par>
-                      </p:childTnLst>
-                    </p:cTn>
-                  </p:par>
-                  <p:par>
-                    <p:cTn id="7" fill="hold">
-                      <p:stCondLst>
-                        <p:cond delay="indefinite"/>
-                      </p:stCondLst>
-                      <p:childTnLst>
-                        <p:par>
-                          <p:cTn id="8" fill="hold">
-                            <p:stCondLst>
-                              <p:cond delay="0"/>
-                            </p:stCondLst>
-                            <p:childTnLst>
-                              <p:par>
-                                <p:cTn id="9" presetID="1" presetClass="entr" presetSubtype="0" fill="hold" nodeType="clickEffect">
-                                  <p:stCondLst>
-                                    <p:cond delay="0"/>
-                                  </p:stCondLst>
-                                  <p:childTnLst>
-                                    <p:set>
-                                      <p:cBhvr>
-                                        <p:cTn id="10" dur="1" fill="hold">
-                                          <p:stCondLst>
-                                            <p:cond delay="0"/>
-                                          </p:stCondLst>
-                                        </p:cTn>
-                                        <p:tgtEl>
-                                          <p:spTgt spid="4">
-                                            <p:txEl>
-                                              <p:pRg st="11" end="11"/>
-                                            </p:txEl>
-                                          </p:spTgt>
-                                        </p:tgtEl>
-                                        <p:attrNameLst>
-                                          <p:attrName>style.visibility</p:attrName>
-                                        </p:attrNameLst>
-                                      </p:cBhvr>
-                                      <p:to>
-                                        <p:strVal val="visible"/>
-                                      </p:to>
-                                    </p:set>
-                                  </p:childTnLst>
-                                </p:cTn>
-                              </p:par>
-                            </p:childTnLst>
-                          </p:cTn>
-                        </p:par>
-                      </p:childTnLst>
-                    </p:cTn>
-                  </p:par>
-                </p:childTnLst>
-              </p:cTn>
-              <p:prevCondLst>
-                <p:cond evt="onPrev" delay="0">
-                  <p:tgtEl>
-                    <p:sldTgt/>
-                  </p:tgtEl>
-                </p:cond>
-              </p:prevCondLst>
-              <p:nextCondLst>
-                <p:cond evt="onNext" delay="0">
-                  <p:tgtEl>
-                    <p:sldTgt/>
-                  </p:tgtEl>
-                </p:cond>
-              </p:nextCondLst>
-            </p:seq>
-          </p:childTnLst>
-        </p:cTn>
-      </p:par>
-    </p:tnLst>
-  </p:timing>
-</p:sld>
-</file>
-
-<file path=ppt/slides/slide5.xml><?xml version="1.0" encoding="utf-8"?>
-<p:sld xmlns:a="http://schemas.openxmlformats.org/drawingml/2006/main" xmlns:r="http://schemas.openxmlformats.org/officeDocument/2006/relationships" xmlns:p="http://schemas.openxmlformats.org/presentationml/2006/main">
-  <p:cSld>
-    <p:spTree>
-      <p:nvGrpSpPr>
-        <p:cNvPr id="1" name="">
-          <a:extLst>
-            <a:ext uri="{FF2B5EF4-FFF2-40B4-BE49-F238E27FC236}">
-              <a16:creationId xmlns:a16="http://schemas.microsoft.com/office/drawing/2014/main" id="{231A52A3-21AD-3FE8-8DE6-DF467B022F10}"/>
-            </a:ext>
-          </a:extLst>
-        </p:cNvPr>
-        <p:cNvGrpSpPr/>
-        <p:nvPr/>
-      </p:nvGrpSpPr>
-      <p:grpSpPr>
-        <a:xfrm>
-          <a:off x="0" y="0"/>
-          <a:ext cx="0" cy="0"/>
-          <a:chOff x="0" y="0"/>
-          <a:chExt cx="0" cy="0"/>
-        </a:xfrm>
-      </p:grpSpPr>
-      <p:sp>
-        <p:nvSpPr>
-          <p:cNvPr id="2" name="Title 1">
-            <a:extLst>
-              <a:ext uri="{FF2B5EF4-FFF2-40B4-BE49-F238E27FC236}">
-                <a16:creationId xmlns:a16="http://schemas.microsoft.com/office/drawing/2014/main" id="{DFF18127-86C7-7131-77BF-4F8E505670BD}"/>
-              </a:ext>
-            </a:extLst>
-          </p:cNvPr>
-          <p:cNvSpPr>
-            <a:spLocks noGrp="1"/>
-          </p:cNvSpPr>
-          <p:nvPr>
-            <p:ph type="title"/>
-          </p:nvPr>
-        </p:nvSpPr>
-        <p:spPr>
-          <a:xfrm>
-            <a:off x="457201" y="204787"/>
-            <a:ext cx="3008313" cy="871538"/>
-          </a:xfrm>
-        </p:spPr>
-        <p:txBody>
-          <a:bodyPr/>
-          <a:lstStyle/>
-          <a:p>
-            <a:r>
-              <a:rPr dirty="0"/>
-              <a:t>Results</a:t>
-            </a:r>
-            <a:r>
-              <a:rPr lang="en-US" dirty="0"/>
-              <a:t> - Voyager 2 observation</a:t>
-            </a:r>
-            <a:endParaRPr dirty="0"/>
-          </a:p>
-        </p:txBody>
-      </p:sp>
-      <p:sp>
-        <p:nvSpPr>
-          <p:cNvPr id="4" name="Text Placeholder 3">
-            <a:extLst>
-              <a:ext uri="{FF2B5EF4-FFF2-40B4-BE49-F238E27FC236}">
-                <a16:creationId xmlns:a16="http://schemas.microsoft.com/office/drawing/2014/main" id="{ABCD88C7-9B47-E9DE-D66E-BB9BA3550579}"/>
-              </a:ext>
-            </a:extLst>
-          </p:cNvPr>
-          <p:cNvSpPr>
-            <a:spLocks noGrp="1"/>
-          </p:cNvSpPr>
-          <p:nvPr>
-            <p:ph type="body" sz="half" idx="2"/>
-          </p:nvPr>
-        </p:nvSpPr>
-        <p:spPr>
-          <a:xfrm>
-            <a:off x="457201" y="1076326"/>
-            <a:ext cx="3008313" cy="4067174"/>
-          </a:xfrm>
-        </p:spPr>
-        <p:txBody>
-          <a:bodyPr>
-            <a:normAutofit fontScale="92500" lnSpcReduction="10000"/>
-          </a:bodyPr>
-          <a:lstStyle/>
-          <a:p>
-            <a:pPr marL="0" lvl="0" indent="0">
-              <a:buNone/>
-            </a:pPr>
-            <a:r>
-              <a:rPr sz="1400" dirty="0"/>
-              <a:t>Jupiter-Sun-Orbital (JSO) Cartesian and spherical coordinates. </a:t>
-            </a:r>
-            <a:endParaRPr lang="en-US" sz="1400" dirty="0"/>
-          </a:p>
-          <a:p>
-            <a:pPr marL="0" lvl="0" indent="0">
-              <a:buNone/>
-            </a:pPr>
-            <a:r>
-              <a:rPr sz="1400" dirty="0"/>
-              <a:t>x-axis</a:t>
-            </a:r>
-            <a:r>
-              <a:rPr lang="en-US" sz="1400" dirty="0"/>
-              <a:t>: </a:t>
-            </a:r>
-            <a:r>
-              <a:rPr sz="1400" dirty="0"/>
-              <a:t>points from Jupiter to the Sun</a:t>
-            </a:r>
-            <a:endParaRPr lang="en-US" sz="1400" dirty="0"/>
-          </a:p>
-          <a:p>
-            <a:pPr marL="0" lvl="0" indent="0">
-              <a:buNone/>
-            </a:pPr>
-            <a:r>
-              <a:rPr sz="1400" dirty="0"/>
-              <a:t>z-axis</a:t>
-            </a:r>
-            <a:r>
-              <a:rPr lang="en-US" sz="1400" dirty="0"/>
-              <a:t>: </a:t>
-            </a:r>
-            <a:r>
-              <a:rPr sz="1400" dirty="0"/>
-              <a:t>aligned with </a:t>
-            </a:r>
-            <a:r>
-              <a:rPr sz="1400" dirty="0" err="1"/>
-              <a:t>vJO</a:t>
-            </a:r>
-            <a:r>
-              <a:rPr sz="1400" dirty="0"/>
-              <a:t> × x (where </a:t>
-            </a:r>
-            <a:r>
-              <a:rPr sz="1400" dirty="0" err="1"/>
-              <a:t>vJO</a:t>
-            </a:r>
-            <a:r>
-              <a:rPr sz="1400" dirty="0"/>
-              <a:t> </a:t>
-            </a:r>
-            <a:r>
-              <a:rPr lang="en-US" sz="1400" dirty="0" err="1"/>
-              <a:t>is</a:t>
-            </a:r>
-            <a:r>
-              <a:rPr sz="1400" dirty="0" err="1"/>
-              <a:t>orbital</a:t>
-            </a:r>
-            <a:r>
-              <a:rPr sz="1400" dirty="0"/>
-              <a:t> velocity)</a:t>
-            </a:r>
-          </a:p>
-          <a:p>
-            <a:pPr marL="0" lvl="0" indent="0">
-              <a:buNone/>
-            </a:pPr>
-            <a:endParaRPr lang="en-US" sz="1400" dirty="0"/>
-          </a:p>
-          <a:p>
-            <a:pPr marL="0" lvl="0" indent="0">
-              <a:buNone/>
-            </a:pPr>
-            <a:endParaRPr lang="en-US" sz="1400" dirty="0"/>
-          </a:p>
-          <a:p>
-            <a:pPr marL="0" lvl="0" indent="0">
-              <a:buNone/>
-            </a:pPr>
-            <a:endParaRPr lang="en-US" sz="1400" dirty="0"/>
-          </a:p>
-          <a:p>
-            <a:pPr marL="0" lvl="0" indent="0">
-              <a:buNone/>
-            </a:pPr>
-            <a:endParaRPr lang="en-US" sz="1400" dirty="0"/>
-          </a:p>
-          <a:p>
-            <a:pPr marL="0" lvl="0" indent="0">
-              <a:buNone/>
-            </a:pPr>
-            <a:endParaRPr lang="en-US" sz="1400" dirty="0"/>
-          </a:p>
-          <a:p>
-            <a:pPr marL="0" lvl="0" indent="0">
-              <a:buNone/>
-            </a:pPr>
-            <a:endParaRPr lang="en-US" sz="1400" dirty="0"/>
-          </a:p>
-          <a:p>
-            <a:pPr marL="0" lvl="0" indent="0">
-              <a:buNone/>
-            </a:pPr>
-            <a:r>
-              <a:rPr lang="en-US" sz="1400" dirty="0"/>
-              <a:t>Significant variations, indicating quasi-parallel </a:t>
-            </a:r>
-            <a:r>
-              <a:rPr lang="en-US" sz="1400" dirty="0" err="1"/>
-              <a:t>magnetosheath</a:t>
-            </a:r>
-            <a:r>
-              <a:rPr lang="en-US" sz="1400" dirty="0"/>
-              <a:t> conditions.</a:t>
-            </a:r>
-          </a:p>
-          <a:p>
-            <a:pPr marL="0" lvl="0" indent="0">
-              <a:buNone/>
-            </a:pPr>
-            <a:endParaRPr lang="en-US" sz="1400" dirty="0"/>
-          </a:p>
-          <a:p>
-            <a:pPr marL="0" lvl="0" indent="0">
-              <a:buNone/>
-            </a:pPr>
-            <a:r>
-              <a:rPr lang="en-US" sz="1400" dirty="0"/>
-              <a:t>Magnetic field standard deviation and high energy ion flux are good local indicators to distinguish between quasi-parallel and quasi-perpendicular </a:t>
-            </a:r>
-            <a:r>
-              <a:rPr lang="en-US" sz="1400" dirty="0" err="1"/>
-              <a:t>magnetosheath</a:t>
-            </a:r>
-            <a:r>
-              <a:rPr lang="en-US" sz="1400" dirty="0"/>
-              <a:t>.</a:t>
-            </a:r>
-          </a:p>
-        </p:txBody>
-      </p:sp>
-      <p:pic>
-        <p:nvPicPr>
-          <p:cNvPr id="5" name="Picture 4" descr="images/paste-6.png">
-            <a:extLst>
-              <a:ext uri="{FF2B5EF4-FFF2-40B4-BE49-F238E27FC236}">
-                <a16:creationId xmlns:a16="http://schemas.microsoft.com/office/drawing/2014/main" id="{355A00AA-684E-BD3F-7C6B-69EC662CDB8A}"/>
-              </a:ext>
-            </a:extLst>
-          </p:cNvPr>
-          <p:cNvPicPr>
-            <a:picLocks noGrp="1" noChangeAspect="1"/>
-          </p:cNvPicPr>
-          <p:nvPr/>
-        </p:nvPicPr>
-        <p:blipFill>
-          <a:blip r:embed="rId2"/>
-          <a:stretch>
-            <a:fillRect/>
-          </a:stretch>
-        </p:blipFill>
-        <p:spPr bwMode="auto">
-          <a:xfrm>
-            <a:off x="670479" y="2214386"/>
-            <a:ext cx="1985433" cy="1002594"/>
-          </a:xfrm>
-          <a:prstGeom prst="rect">
-            <a:avLst/>
-          </a:prstGeom>
-          <a:noFill/>
-          <a:ln w="9525">
-            <a:noFill/>
-            <a:headEnd/>
-            <a:tailEnd/>
-          </a:ln>
-        </p:spPr>
-      </p:pic>
-      <p:pic>
-        <p:nvPicPr>
-          <p:cNvPr id="6" name="Picture 5" descr="images/paste-2.png">
-            <a:extLst>
-              <a:ext uri="{FF2B5EF4-FFF2-40B4-BE49-F238E27FC236}">
-                <a16:creationId xmlns:a16="http://schemas.microsoft.com/office/drawing/2014/main" id="{D4DBE8D4-9E86-6C3E-1CAD-17D835586CE6}"/>
-              </a:ext>
-            </a:extLst>
-          </p:cNvPr>
-          <p:cNvPicPr>
-            <a:picLocks noGrp="1" noChangeAspect="1"/>
-          </p:cNvPicPr>
-          <p:nvPr/>
-        </p:nvPicPr>
-        <p:blipFill>
-          <a:blip r:embed="rId3"/>
-          <a:stretch>
-            <a:fillRect/>
-          </a:stretch>
-        </p:blipFill>
-        <p:spPr bwMode="auto">
-          <a:xfrm>
-            <a:off x="4038600" y="0"/>
-            <a:ext cx="4267200" cy="5109159"/>
-          </a:xfrm>
-          <a:prstGeom prst="rect">
-            <a:avLst/>
-          </a:prstGeom>
-          <a:noFill/>
-          <a:ln w="9525">
-            <a:noFill/>
-            <a:headEnd/>
-            <a:tailEnd/>
-          </a:ln>
-        </p:spPr>
-      </p:pic>
-    </p:spTree>
-    <p:extLst>
-      <p:ext uri="{BB962C8B-B14F-4D97-AF65-F5344CB8AC3E}">
-        <p14:creationId xmlns:p14="http://schemas.microsoft.com/office/powerpoint/2010/main" val="2808511827"/>
-      </p:ext>
-    </p:extLst>
-  </p:cSld>
-  <p:clrMapOvr>
-    <a:masterClrMapping/>
-  </p:clrMapOvr>
-</p:sld>
-</file>
-
-<file path=ppt/slides/slide6.xml><?xml version="1.0" encoding="utf-8"?>
-<p:sld xmlns:a="http://schemas.openxmlformats.org/drawingml/2006/main" xmlns:r="http://schemas.openxmlformats.org/officeDocument/2006/relationships" xmlns:p="http://schemas.openxmlformats.org/presentationml/2006/main">
-  <p:cSld>
-    <p:spTree>
-      <p:nvGrpSpPr>
-        <p:cNvPr id="1" name=""/>
-        <p:cNvGrpSpPr/>
-        <p:nvPr/>
-      </p:nvGrpSpPr>
-      <p:grpSpPr>
-        <a:xfrm>
-          <a:off x="0" y="0"/>
-          <a:ext cx="0" cy="0"/>
-          <a:chOff x="0" y="0"/>
-          <a:chExt cx="0" cy="0"/>
-        </a:xfrm>
-      </p:grpSpPr>
-      <p:sp>
-        <p:nvSpPr>
-          <p:cNvPr id="2" name="Title 1"/>
-          <p:cNvSpPr>
-            <a:spLocks noGrp="1"/>
-          </p:cNvSpPr>
-          <p:nvPr>
-            <p:ph type="title"/>
-          </p:nvPr>
-        </p:nvSpPr>
-        <p:spPr>
-          <a:xfrm>
-            <a:off x="457200" y="205979"/>
-            <a:ext cx="2540000" cy="857250"/>
-          </a:xfrm>
-        </p:spPr>
-        <p:txBody>
-          <a:bodyPr/>
-          <a:lstStyle/>
-          <a:p>
-            <a:pPr marL="0" lvl="0" indent="0">
-              <a:buNone/>
-            </a:pPr>
-            <a:r>
-              <a:rPr dirty="0"/>
-              <a:t>Sunward jet</a:t>
-            </a:r>
-          </a:p>
-        </p:txBody>
-      </p:sp>
-      <p:pic>
-        <p:nvPicPr>
-          <p:cNvPr id="3" name="Picture 1" descr="images/paste-5.png"/>
-          <p:cNvPicPr>
-            <a:picLocks noGrp="1" noChangeAspect="1"/>
-          </p:cNvPicPr>
-          <p:nvPr/>
-        </p:nvPicPr>
-        <p:blipFill>
-          <a:blip r:embed="rId2"/>
-          <a:stretch>
-            <a:fillRect/>
-          </a:stretch>
-        </p:blipFill>
-        <p:spPr bwMode="auto">
-          <a:xfrm>
-            <a:off x="5147734" y="-31977"/>
-            <a:ext cx="2184400" cy="5207454"/>
-          </a:xfrm>
-          <a:prstGeom prst="rect">
-            <a:avLst/>
-          </a:prstGeom>
-          <a:noFill/>
-          <a:ln w="9525">
-            <a:noFill/>
-            <a:headEnd/>
-            <a:tailEnd/>
-          </a:ln>
-        </p:spPr>
-      </p:pic>
-      <p:sp>
-        <p:nvSpPr>
-          <p:cNvPr id="4" name="Content Placeholder 2">
-            <a:extLst>
-              <a:ext uri="{FF2B5EF4-FFF2-40B4-BE49-F238E27FC236}">
-                <a16:creationId xmlns:a16="http://schemas.microsoft.com/office/drawing/2014/main" id="{76DDF9D1-8689-D172-B047-467788D4CEAE}"/>
-              </a:ext>
-            </a:extLst>
-          </p:cNvPr>
-          <p:cNvSpPr>
-            <a:spLocks noGrp="1"/>
-          </p:cNvSpPr>
-          <p:nvPr>
-            <p:ph idx="1"/>
-          </p:nvPr>
-        </p:nvSpPr>
-        <p:spPr>
-          <a:xfrm>
-            <a:off x="457200" y="1200151"/>
-            <a:ext cx="4318000" cy="4040716"/>
-          </a:xfrm>
-        </p:spPr>
-        <p:txBody>
-          <a:bodyPr>
-            <a:normAutofit lnSpcReduction="10000"/>
-          </a:bodyPr>
-          <a:lstStyle/>
-          <a:p>
-            <a:pPr marL="0" lvl="0" indent="0">
-              <a:buNone/>
-            </a:pPr>
-            <a:r>
-              <a:rPr lang="en-US" dirty="0"/>
-              <a:t>Formation mechanism?</a:t>
-            </a:r>
-          </a:p>
-          <a:p>
-            <a:pPr marL="0" lvl="0" indent="0">
-              <a:buNone/>
-            </a:pPr>
-            <a:endParaRPr lang="en-US" dirty="0"/>
-          </a:p>
-          <a:p>
-            <a:pPr lvl="0"/>
-            <a:r>
-              <a:rPr dirty="0"/>
-              <a:t>magnetopause crossings (expansion phase of the magnetosphere)</a:t>
-            </a:r>
-          </a:p>
-          <a:p>
-            <a:pPr lvl="1"/>
-            <a:r>
-              <a:rPr dirty="0"/>
-              <a:t>breathing of the magnetopause is expected to occur on a time scale of hour for Jupiter.</a:t>
-            </a:r>
-          </a:p>
-          <a:p>
-            <a:pPr lvl="0"/>
-            <a:r>
-              <a:rPr dirty="0"/>
-              <a:t>(density-depleted) hot flow anomaly (a flow reversal in their core HFA)</a:t>
-            </a:r>
-          </a:p>
-        </p:txBody>
-      </p:sp>
-    </p:spTree>
-  </p:cSld>
-  <p:clrMapOvr>
-    <a:masterClrMapping/>
-  </p:clrMapOvr>
-  <p:timing>
-    <p:tnLst>
-      <p:par>
-        <p:cTn id="1" dur="indefinite" restart="never" nodeType="tmRoot">
-          <p:childTnLst>
-            <p:seq concurrent="1" nextAc="seek">
-              <p:cTn id="2" dur="indefinite" nodeType="mainSeq">
-                <p:childTnLst>
-                  <p:par>
-                    <p:cTn id="3" fill="hold">
-                      <p:stCondLst>
-                        <p:cond delay="indefinite"/>
-                      </p:stCondLst>
-                      <p:childTnLst>
-                        <p:par>
-                          <p:cTn id="4" fill="hold">
-                            <p:stCondLst>
-                              <p:cond delay="0"/>
-                            </p:stCondLst>
-                            <p:childTnLst>
-                              <p:par>
-                                <p:cTn id="5" presetID="1" presetClass="entr" presetSubtype="0" fill="hold" nodeType="clickEffect">
-                                  <p:stCondLst>
-                                    <p:cond delay="0"/>
-                                  </p:stCondLst>
-                                  <p:childTnLst>
-                                    <p:set>
-                                      <p:cBhvr>
-                                        <p:cTn id="6" dur="1" fill="hold">
-                                          <p:stCondLst>
-                                            <p:cond delay="0"/>
-                                          </p:stCondLst>
-                                        </p:cTn>
-                                        <p:tgtEl>
-                                          <p:spTgt spid="4">
-                                            <p:txEl>
-                                              <p:pRg st="3" end="3"/>
-                                            </p:txEl>
-                                          </p:spTgt>
-                                        </p:tgtEl>
-                                        <p:attrNameLst>
-                                          <p:attrName>style.visibility</p:attrName>
-                                        </p:attrNameLst>
-                                      </p:cBhvr>
-                                      <p:to>
-                                        <p:strVal val="visible"/>
-                                      </p:to>
-                                    </p:set>
-                                  </p:childTnLst>
-                                </p:cTn>
-                              </p:par>
-                            </p:childTnLst>
-                          </p:cTn>
-                        </p:par>
-                      </p:childTnLst>
-                    </p:cTn>
-                  </p:par>
-                  <p:par>
-                    <p:cTn id="7" fill="hold">
-                      <p:stCondLst>
-                        <p:cond delay="indefinite"/>
-                      </p:stCondLst>
-                      <p:childTnLst>
-                        <p:par>
-                          <p:cTn id="8" fill="hold">
-                            <p:stCondLst>
-                              <p:cond delay="0"/>
-                            </p:stCondLst>
-                            <p:childTnLst>
-                              <p:par>
-                                <p:cTn id="9" presetID="1" presetClass="entr" presetSubtype="0" fill="hold" nodeType="clickEffect">
-                                  <p:stCondLst>
-                                    <p:cond delay="0"/>
-                                  </p:stCondLst>
-                                  <p:childTnLst>
-                                    <p:set>
-                                      <p:cBhvr>
-                                        <p:cTn id="10" dur="1" fill="hold">
-                                          <p:stCondLst>
-                                            <p:cond delay="0"/>
-                                          </p:stCondLst>
-                                        </p:cTn>
-                                        <p:tgtEl>
-                                          <p:spTgt spid="4">
-                                            <p:txEl>
-                                              <p:pRg st="4" end="4"/>
-                                            </p:txEl>
-                                          </p:spTgt>
-                                        </p:tgtEl>
-                                        <p:attrNameLst>
-                                          <p:attrName>style.visibility</p:attrName>
-                                        </p:attrNameLst>
-                                      </p:cBhvr>
-                                      <p:to>
-                                        <p:strVal val="visible"/>
-                                      </p:to>
-                                    </p:set>
-                                  </p:childTnLst>
-                                </p:cTn>
-                              </p:par>
-                            </p:childTnLst>
-                          </p:cTn>
-                        </p:par>
-                      </p:childTnLst>
-                    </p:cTn>
-                  </p:par>
-                </p:childTnLst>
-              </p:cTn>
-              <p:prevCondLst>
-                <p:cond evt="onPrev" delay="0">
-                  <p:tgtEl>
-                    <p:sldTgt/>
-                  </p:tgtEl>
-                </p:cond>
-              </p:prevCondLst>
-              <p:nextCondLst>
-                <p:cond evt="onNext" delay="0">
-                  <p:tgtEl>
-                    <p:sldTgt/>
-                  </p:tgtEl>
-                </p:cond>
-              </p:nextCondLst>
-            </p:seq>
-          </p:childTnLst>
-        </p:cTn>
-      </p:par>
-    </p:tnLst>
-  </p:timing>
-</p:sld>
-</file>
-
-<file path=ppt/slides/slide7.xml><?xml version="1.0" encoding="utf-8"?>
-<p:sld xmlns:a="http://schemas.openxmlformats.org/drawingml/2006/main" xmlns:r="http://schemas.openxmlformats.org/officeDocument/2006/relationships" xmlns:p="http://schemas.openxmlformats.org/presentationml/2006/main">
-  <p:cSld>
-    <p:spTree>
-      <p:nvGrpSpPr>
-        <p:cNvPr id="1" name=""/>
-        <p:cNvGrpSpPr/>
-        <p:nvPr/>
-      </p:nvGrpSpPr>
-      <p:grpSpPr>
-        <a:xfrm>
-          <a:off x="0" y="0"/>
-          <a:ext cx="0" cy="0"/>
-          <a:chOff x="0" y="0"/>
-          <a:chExt cx="0" cy="0"/>
-        </a:xfrm>
-      </p:grpSpPr>
-      <p:sp>
-        <p:nvSpPr>
-          <p:cNvPr id="2" name="Title 1"/>
-          <p:cNvSpPr>
-            <a:spLocks noGrp="1"/>
-          </p:cNvSpPr>
-          <p:nvPr>
-            <p:ph type="title"/>
-          </p:nvPr>
-        </p:nvSpPr>
-        <p:spPr>
-          <a:xfrm>
-            <a:off x="457201" y="204786"/>
-            <a:ext cx="3522132" cy="871539"/>
-          </a:xfrm>
-        </p:spPr>
-        <p:txBody>
-          <a:bodyPr>
-            <a:noAutofit/>
-          </a:bodyPr>
-          <a:lstStyle/>
-          <a:p>
-            <a:pPr marL="0" lvl="0" indent="0">
-              <a:buNone/>
-            </a:pPr>
-            <a:r>
-              <a:rPr sz="3300" dirty="0"/>
-              <a:t>Anti-sunward jets</a:t>
-            </a:r>
-          </a:p>
-        </p:txBody>
-      </p:sp>
-      <p:sp>
-        <p:nvSpPr>
-          <p:cNvPr id="4" name="Text Placeholder 3"/>
-          <p:cNvSpPr>
-            <a:spLocks noGrp="1"/>
-          </p:cNvSpPr>
-          <p:nvPr>
-            <p:ph type="body" sz="half" idx="2"/>
-          </p:nvPr>
-        </p:nvSpPr>
-        <p:spPr>
-          <a:xfrm>
-            <a:off x="457201" y="1076326"/>
-            <a:ext cx="3008313" cy="4067174"/>
-          </a:xfrm>
-        </p:spPr>
-        <p:txBody>
-          <a:bodyPr>
-            <a:normAutofit fontScale="92500" lnSpcReduction="10000"/>
-          </a:bodyPr>
-          <a:lstStyle/>
-          <a:p>
-            <a:pPr marL="171450" lvl="0" indent="-171450">
-              <a:buFont typeface="Arial" panose="020B0604020202020204" pitchFamily="34" charset="0"/>
-              <a:buChar char="•"/>
-            </a:pPr>
-            <a:r>
-              <a:rPr sz="1600" dirty="0"/>
-              <a:t>Reminiscent of the cores of HFA </a:t>
-            </a:r>
-            <a:r>
-              <a:rPr sz="1600" dirty="0" err="1"/>
-              <a:t>convected</a:t>
-            </a:r>
-            <a:r>
-              <a:rPr sz="1600" dirty="0"/>
-              <a:t> downstream</a:t>
-            </a:r>
-            <a:endParaRPr lang="en-US" sz="1600" dirty="0"/>
-          </a:p>
-          <a:p>
-            <a:pPr marL="0" lvl="0" indent="0">
-              <a:buNone/>
-            </a:pPr>
-            <a:endParaRPr lang="en-US" dirty="0"/>
-          </a:p>
-          <a:p>
-            <a:r>
-              <a:rPr lang="en-US" sz="2200" dirty="0"/>
-              <a:t>Formation mechanism?</a:t>
-            </a:r>
-          </a:p>
-          <a:p>
-            <a:pPr marL="0" lvl="0" indent="0">
-              <a:buNone/>
-            </a:pPr>
-            <a:endParaRPr dirty="0"/>
-          </a:p>
-          <a:p>
-            <a:pPr marL="171450" lvl="0" indent="-171450">
-              <a:buFont typeface="Arial" panose="020B0604020202020204" pitchFamily="34" charset="0"/>
-              <a:buChar char="•"/>
-            </a:pPr>
-            <a:r>
-              <a:rPr sz="1500" dirty="0"/>
-              <a:t>The two density peaks corresponded to the plasma pileups on the leading and trailing edges of the HFA.</a:t>
-            </a:r>
-            <a:endParaRPr lang="en-US" sz="1500" dirty="0"/>
-          </a:p>
-          <a:p>
-            <a:pPr marL="171450" lvl="0" indent="-171450">
-              <a:buFont typeface="Arial" panose="020B0604020202020204" pitchFamily="34" charset="0"/>
-              <a:buChar char="•"/>
-            </a:pPr>
-            <a:endParaRPr sz="1500" dirty="0"/>
-          </a:p>
-          <a:p>
-            <a:pPr marL="171450" lvl="0" indent="-171450">
-              <a:buFont typeface="Arial" panose="020B0604020202020204" pitchFamily="34" charset="0"/>
-              <a:buChar char="•"/>
-            </a:pPr>
-            <a:r>
-              <a:rPr sz="1500" dirty="0"/>
-              <a:t>The increased velocity in the jets may be attributed to the curved shock formed during shock–discontinuity interaction</a:t>
-            </a:r>
-            <a:r>
-              <a:rPr lang="en-US" sz="1500" dirty="0"/>
-              <a:t>.</a:t>
-            </a:r>
-            <a:endParaRPr sz="1500" dirty="0"/>
-          </a:p>
-          <a:p>
-            <a:pPr lvl="0"/>
-            <a:endParaRPr lang="en-US" sz="1500" dirty="0"/>
-          </a:p>
-          <a:p>
-            <a:pPr marL="171450" lvl="0" indent="-171450">
-              <a:buFont typeface="Arial" panose="020B0604020202020204" pitchFamily="34" charset="0"/>
-              <a:buChar char="•"/>
-            </a:pPr>
-            <a:r>
-              <a:rPr lang="en-US" sz="1500" dirty="0"/>
-              <a:t>mirror modes? </a:t>
-            </a:r>
-          </a:p>
-          <a:p>
-            <a:pPr marL="514350" lvl="1" indent="-171450">
-              <a:buFont typeface="Arial" panose="020B0604020202020204" pitchFamily="34" charset="0"/>
-              <a:buChar char="•"/>
-            </a:pPr>
-            <a:r>
-              <a:rPr lang="en-US" sz="1350" dirty="0"/>
-              <a:t>which exhibit durations ranging from 20 to 120 seconds and sizes equivalent approximately ~ 0.15RJ)</a:t>
-            </a:r>
-            <a:endParaRPr sz="1350" dirty="0"/>
-          </a:p>
-        </p:txBody>
-      </p:sp>
-      <p:pic>
-        <p:nvPicPr>
-          <p:cNvPr id="3" name="Picture 1" descr="images/paste-4.png"/>
-          <p:cNvPicPr>
-            <a:picLocks noGrp="1" noChangeAspect="1"/>
-          </p:cNvPicPr>
-          <p:nvPr/>
-        </p:nvPicPr>
-        <p:blipFill>
-          <a:blip r:embed="rId3"/>
-          <a:stretch>
-            <a:fillRect/>
-          </a:stretch>
-        </p:blipFill>
-        <p:spPr bwMode="auto">
-          <a:xfrm>
-            <a:off x="4089399" y="-13593"/>
-            <a:ext cx="3818467" cy="5145981"/>
-          </a:xfrm>
-          <a:prstGeom prst="rect">
-            <a:avLst/>
-          </a:prstGeom>
-          <a:noFill/>
-          <a:ln w="9525">
-            <a:noFill/>
-            <a:headEnd/>
-            <a:tailEnd/>
-          </a:ln>
-        </p:spPr>
-      </p:pic>
-    </p:spTree>
-  </p:cSld>
-  <p:clrMapOvr>
-    <a:masterClrMapping/>
-  </p:clrMapOvr>
-</p:sld>
-</file>
-
-<file path=ppt/slides/slide8.xml><?xml version="1.0" encoding="utf-8"?>
-<p:sld xmlns:a="http://schemas.openxmlformats.org/drawingml/2006/main" xmlns:r="http://schemas.openxmlformats.org/officeDocument/2006/relationships" xmlns:p="http://schemas.openxmlformats.org/presentationml/2006/main">
-  <p:cSld>
-    <p:spTree>
-      <p:nvGrpSpPr>
-        <p:cNvPr id="1" name=""/>
-        <p:cNvGrpSpPr/>
-        <p:nvPr/>
-      </p:nvGrpSpPr>
-      <p:grpSpPr>
-        <a:xfrm>
-          <a:off x="0" y="0"/>
-          <a:ext cx="0" cy="0"/>
-          <a:chOff x="0" y="0"/>
-          <a:chExt cx="0" cy="0"/>
-        </a:xfrm>
-      </p:grpSpPr>
-      <p:sp>
-        <p:nvSpPr>
-          <p:cNvPr id="2" name="Title 1"/>
-          <p:cNvSpPr>
-            <a:spLocks noGrp="1"/>
-          </p:cNvSpPr>
-          <p:nvPr>
-            <p:ph type="title"/>
-          </p:nvPr>
-        </p:nvSpPr>
-        <p:spPr>
-          <a:xfrm>
-            <a:off x="1" y="0"/>
-            <a:ext cx="3465514" cy="1076325"/>
-          </a:xfrm>
-        </p:spPr>
-        <p:txBody>
-          <a:bodyPr>
-            <a:noAutofit/>
-          </a:bodyPr>
-          <a:lstStyle/>
-          <a:p>
-            <a:pPr marL="0" lvl="0" indent="0">
-              <a:buNone/>
-            </a:pPr>
-            <a:r>
-              <a:rPr sz="2400" dirty="0"/>
-              <a:t>Comparing across planets</a:t>
-            </a:r>
-          </a:p>
-        </p:txBody>
-      </p:sp>
-      <p:sp>
-        <p:nvSpPr>
-          <p:cNvPr id="4" name="Text Placeholder 3"/>
-          <p:cNvSpPr>
-            <a:spLocks noGrp="1"/>
-          </p:cNvSpPr>
-          <p:nvPr>
-            <p:ph type="body" sz="half" idx="2"/>
-          </p:nvPr>
-        </p:nvSpPr>
-        <p:spPr/>
-        <p:txBody>
-          <a:bodyPr>
-            <a:normAutofit lnSpcReduction="10000"/>
-          </a:bodyPr>
-          <a:lstStyle/>
-          <a:p>
-            <a:pPr marL="0" lvl="0" indent="0">
-              <a:buNone/>
-            </a:pPr>
-            <a:endParaRPr lang="en-US" sz="2400" dirty="0"/>
-          </a:p>
-          <a:p>
-            <a:pPr marL="0" lvl="0" indent="0">
-              <a:buNone/>
-            </a:pPr>
-            <a:r>
-              <a:rPr lang="en-US" sz="2400" dirty="0"/>
-              <a:t>T</a:t>
-            </a:r>
-            <a:r>
-              <a:rPr sz="2400" dirty="0"/>
-              <a:t>en minutes </a:t>
-            </a:r>
-            <a:r>
-              <a:rPr lang="en-US" sz="2400" dirty="0"/>
-              <a:t>to </a:t>
-            </a:r>
-            <a:r>
-              <a:rPr sz="2400" dirty="0"/>
-              <a:t>an hour.</a:t>
-            </a:r>
-            <a:r>
-              <a:rPr lang="en-US" sz="2400" dirty="0"/>
-              <a:t> </a:t>
-            </a:r>
-            <a:r>
-              <a:rPr sz="2400" dirty="0"/>
-              <a:t>Much longer than the durations at Earth (up to ~ 3 min)</a:t>
-            </a:r>
-            <a:endParaRPr lang="en-US" sz="2400" dirty="0"/>
-          </a:p>
-          <a:p>
-            <a:pPr marL="0" lvl="0" indent="0">
-              <a:buNone/>
-            </a:pPr>
-            <a:endParaRPr lang="en-US" sz="2400" dirty="0"/>
-          </a:p>
-          <a:p>
-            <a:pPr marL="0" lvl="0" indent="0">
-              <a:buNone/>
-            </a:pPr>
-            <a:r>
-              <a:rPr lang="en-US" sz="2400" dirty="0"/>
-              <a:t>The size of jets does not scale with ion inertial and cyclotron</a:t>
-            </a:r>
-            <a:endParaRPr sz="2400" dirty="0"/>
-          </a:p>
-        </p:txBody>
-      </p:sp>
-      <p:pic>
-        <p:nvPicPr>
-          <p:cNvPr id="3" name="Picture 1" descr="images/paste-3.png"/>
+          <p:cNvPr descr="images/paste-3.png" id="0" name="Picture 1"/>
           <p:cNvPicPr>
             <a:picLocks noGrp="1" noChangeAspect="1"/>
           </p:cNvPicPr>
@@ -5593,88 +3493,777 @@
       </p:pic>
     </p:spTree>
   </p:cSld>
-  <p:clrMapOvr>
-    <a:masterClrMapping/>
-  </p:clrMapOvr>
-  <p:timing>
-    <p:tnLst>
-      <p:par>
-        <p:cTn id="1" dur="indefinite" restart="never" nodeType="tmRoot">
-          <p:childTnLst>
-            <p:seq concurrent="1" nextAc="seek">
-              <p:cTn id="2" dur="indefinite" nodeType="mainSeq">
-                <p:childTnLst>
-                  <p:par>
-                    <p:cTn id="3" fill="hold">
-                      <p:stCondLst>
-                        <p:cond delay="indefinite"/>
-                      </p:stCondLst>
-                      <p:childTnLst>
-                        <p:par>
-                          <p:cTn id="4" fill="hold">
-                            <p:stCondLst>
-                              <p:cond delay="0"/>
-                            </p:stCondLst>
-                            <p:childTnLst>
-                              <p:par>
-                                <p:cTn id="5" presetID="1" presetClass="entr" presetSubtype="0" fill="hold" nodeType="clickEffect">
-                                  <p:stCondLst>
-                                    <p:cond delay="0"/>
-                                  </p:stCondLst>
-                                  <p:childTnLst>
-                                    <p:set>
-                                      <p:cBhvr>
-                                        <p:cTn id="6" dur="1" fill="hold">
-                                          <p:stCondLst>
-                                            <p:cond delay="0"/>
-                                          </p:stCondLst>
-                                        </p:cTn>
-                                        <p:tgtEl>
-                                          <p:spTgt spid="4">
-                                            <p:txEl>
-                                              <p:pRg st="3" end="3"/>
-                                            </p:txEl>
-                                          </p:spTgt>
-                                        </p:tgtEl>
-                                        <p:attrNameLst>
-                                          <p:attrName>style.visibility</p:attrName>
-                                        </p:attrNameLst>
-                                      </p:cBhvr>
-                                      <p:to>
-                                        <p:strVal val="visible"/>
-                                      </p:to>
-                                    </p:set>
-                                  </p:childTnLst>
-                                </p:cTn>
-                              </p:par>
-                            </p:childTnLst>
-                          </p:cTn>
-                        </p:par>
-                      </p:childTnLst>
-                    </p:cTn>
-                  </p:par>
-                </p:childTnLst>
-              </p:cTn>
-              <p:prevCondLst>
-                <p:cond evt="onPrev" delay="0">
-                  <p:tgtEl>
-                    <p:sldTgt/>
-                  </p:tgtEl>
-                </p:cond>
-              </p:prevCondLst>
-              <p:nextCondLst>
-                <p:cond evt="onNext" delay="0">
-                  <p:tgtEl>
-                    <p:sldTgt/>
-                  </p:tgtEl>
-                </p:cond>
-              </p:nextCondLst>
-            </p:seq>
-          </p:childTnLst>
-        </p:cTn>
-      </p:par>
-    </p:tnLst>
-  </p:timing>
+</p:sld>
+</file>
+
+<file path=ppt/slides/slide13.xml><?xml version="1.0" encoding="utf-8"?>
+<p:sld xmlns:a="http://schemas.openxmlformats.org/drawingml/2006/main" xmlns:r="http://schemas.openxmlformats.org/officeDocument/2006/relationships" xmlns:p="http://schemas.openxmlformats.org/presentationml/2006/main">
+  <p:cSld>
+    <p:spTree>
+      <p:nvGrpSpPr>
+        <p:cNvPr id="1" name=""/>
+        <p:cNvGrpSpPr/>
+        <p:nvPr/>
+      </p:nvGrpSpPr>
+      <p:grpSpPr>
+        <a:xfrm>
+          <a:off x="0" y="0"/>
+          <a:ext cx="0" cy="0"/>
+          <a:chOff x="0" y="0"/>
+          <a:chExt cx="0" cy="0"/>
+        </a:xfrm>
+      </p:grpSpPr>
+      <p:sp>
+        <p:nvSpPr>
+          <p:cNvPr id="2" name="Title 1"/>
+          <p:cNvSpPr>
+            <a:spLocks noGrp="1"/>
+          </p:cNvSpPr>
+          <p:nvPr>
+            <p:ph type="title"/>
+          </p:nvPr>
+        </p:nvSpPr>
+        <p:spPr/>
+        <p:txBody>
+          <a:bodyPr/>
+          <a:lstStyle/>
+          <a:p>
+            <a:pPr lvl="0" indent="0" marL="0">
+              <a:buNone/>
+            </a:pPr>
+            <a:r>
+              <a:rPr/>
+              <a:t>Discussion</a:t>
+            </a:r>
+          </a:p>
+        </p:txBody>
+      </p:sp>
+      <p:sp>
+        <p:nvSpPr>
+          <p:cNvPr id="3" name="Content Placeholder 2"/>
+          <p:cNvSpPr>
+            <a:spLocks noGrp="1"/>
+          </p:cNvSpPr>
+          <p:nvPr>
+            <p:ph idx="1"/>
+          </p:nvPr>
+        </p:nvSpPr>
+        <p:spPr/>
+        <p:txBody>
+          <a:bodyPr/>
+          <a:lstStyle/>
+          <a:p>
+            <a:pPr lvl="0" indent="0" marL="0">
+              <a:buNone/>
+            </a:pPr>
+            <a:r>
+              <a:rPr/>
+              <a:t>They have reported anti-sunward and sunward jets in the Jovian magnetosheath.</a:t>
+            </a:r>
+          </a:p>
+          <a:p>
+            <a:pPr lvl="0" indent="0" marL="0">
+              <a:buNone/>
+            </a:pPr>
+            <a:r>
+              <a:rPr/>
+              <a:t>These jets were associated with magnetic field discontinuities.</a:t>
+            </a:r>
+          </a:p>
+          <a:p>
+            <a:pPr lvl="0" indent="0" marL="0">
+              <a:buNone/>
+            </a:pPr>
+            <a:r>
+              <a:rPr/>
+              <a:t>The highly intermittent and discontinuous magnetic fields in solar wind allow jets to be formed downstream of these planetery bow shocks.</a:t>
+            </a:r>
+          </a:p>
+          <a:p>
+            <a:pPr lvl="0" indent="0" marL="0">
+              <a:buNone/>
+            </a:pPr>
+            <a:r>
+              <a:rPr/>
+              <a:t>More powerful jets than at Earth are expected in outer planets.</a:t>
+            </a:r>
+          </a:p>
+          <a:p>
+            <a:pPr lvl="0" indent="0" marL="0">
+              <a:buNone/>
+            </a:pPr>
+            <a:r>
+              <a:rPr/>
+              <a:t>Given the high Mach number for Jovian and Kronian bow shock and the decreasing beta with solar centric distance beyond the Martian orbit. And yheoretical calculations suggest that the strength of jets (ratio of jet to upstream dynamic pressure) grow with Mach number and decrease with plasma beta (ratio of thermal to magnetic pressure).</a:t>
+            </a:r>
+          </a:p>
+          <a:p>
+            <a:pPr lvl="0" indent="0" marL="0">
+              <a:buNone/>
+            </a:pPr>
+            <a:r>
+              <a:rPr/>
+              <a:t>Kajdič, Primož, Savvas Raptis, Xóchitl Blanco-Cano, and Tomas Karlsson. 2021. “Causes of Jets in the Quasi-Perpendicular Magnetosheath.” </a:t>
+            </a:r>
+            <a:r>
+              <a:rPr i="1"/>
+              <a:t>Geophysical Research Letters</a:t>
+            </a:r>
+            <a:r>
+              <a:rPr/>
+              <a:t> 48 (13): e2021GL093173. </a:t>
+            </a:r>
+            <a:r>
+              <a:rPr>
+                <a:hlinkClick r:id="rId2"/>
+              </a:rPr>
+              <a:t>https://doi.org/10.1029/2021GL093173</a:t>
+            </a:r>
+            <a:r>
+              <a:rPr/>
+              <a:t>.</a:t>
+            </a:r>
+          </a:p>
+          <a:p>
+            <a:pPr lvl="0" indent="0" marL="0">
+              <a:buNone/>
+            </a:pPr>
+            <a:r>
+              <a:rPr/>
+              <a:t>Plaschke, Ferdinand, Heli Hietala, Martin Archer, Xóchitl Blanco-Cano, Primož Kajdič, Tomas Karlsson, Sun Hee Lee, et al. 2018. “Jets Downstream of Collisionless Shocks.” </a:t>
+            </a:r>
+            <a:r>
+              <a:rPr i="1"/>
+              <a:t>Space Science Reviews</a:t>
+            </a:r>
+            <a:r>
+              <a:rPr/>
+              <a:t> 214 (5): 81. </a:t>
+            </a:r>
+            <a:r>
+              <a:rPr>
+                <a:hlinkClick r:id="rId3"/>
+              </a:rPr>
+              <a:t>https://doi.org/10.1007/s11214-018-0516-3</a:t>
+            </a:r>
+            <a:r>
+              <a:rPr/>
+              <a:t>.</a:t>
+            </a:r>
+          </a:p>
+        </p:txBody>
+      </p:sp>
+    </p:spTree>
+  </p:cSld>
+</p:sld>
+</file>
+
+<file path=ppt/slides/slide2.xml><?xml version="1.0" encoding="utf-8"?>
+<p:sld xmlns:a="http://schemas.openxmlformats.org/drawingml/2006/main" xmlns:r="http://schemas.openxmlformats.org/officeDocument/2006/relationships" xmlns:p="http://schemas.openxmlformats.org/presentationml/2006/main">
+  <p:cSld>
+    <p:spTree>
+      <p:nvGrpSpPr>
+        <p:cNvPr id="1" name=""/>
+        <p:cNvGrpSpPr/>
+        <p:nvPr/>
+      </p:nvGrpSpPr>
+      <p:grpSpPr>
+        <a:xfrm>
+          <a:off x="0" y="0"/>
+          <a:ext cx="0" cy="0"/>
+          <a:chOff x="0" y="0"/>
+          <a:chExt cx="0" cy="0"/>
+        </a:xfrm>
+      </p:grpSpPr>
+      <p:sp>
+        <p:nvSpPr>
+          <p:cNvPr id="3" name="Content Placeholder 2"/>
+          <p:cNvSpPr>
+            <a:spLocks noGrp="1"/>
+          </p:cNvSpPr>
+          <p:nvPr>
+            <p:ph idx="1"/>
+          </p:nvPr>
+        </p:nvSpPr>
+        <p:spPr/>
+        <p:txBody>
+          <a:bodyPr/>
+          <a:lstStyle/>
+          <a:p>
+            <a:pPr lvl="0" indent="0" marL="0">
+              <a:buNone/>
+            </a:pPr>
+            <a:r>
+              <a:rPr/>
+              <a:t>Reported anti-sunward and sunward jets in the Jovian magnetosheath.</a:t>
+            </a:r>
+          </a:p>
+        </p:txBody>
+      </p:sp>
+    </p:spTree>
+  </p:cSld>
+</p:sld>
+</file>
+
+<file path=ppt/slides/slide3.xml><?xml version="1.0" encoding="utf-8"?>
+<p:sld xmlns:a="http://schemas.openxmlformats.org/drawingml/2006/main" xmlns:r="http://schemas.openxmlformats.org/officeDocument/2006/relationships" xmlns:p="http://schemas.openxmlformats.org/presentationml/2006/main">
+  <p:cSld>
+    <p:spTree>
+      <p:nvGrpSpPr>
+        <p:cNvPr id="1" name=""/>
+        <p:cNvGrpSpPr/>
+        <p:nvPr/>
+      </p:nvGrpSpPr>
+      <p:grpSpPr>
+        <a:xfrm>
+          <a:off x="0" y="0"/>
+          <a:ext cx="0" cy="0"/>
+          <a:chOff x="0" y="0"/>
+          <a:chExt cx="0" cy="0"/>
+        </a:xfrm>
+      </p:grpSpPr>
+      <p:sp>
+        <p:nvSpPr>
+          <p:cNvPr id="2" name="Title 1"/>
+          <p:cNvSpPr>
+            <a:spLocks noGrp="1"/>
+          </p:cNvSpPr>
+          <p:nvPr>
+            <p:ph type="title"/>
+          </p:nvPr>
+        </p:nvSpPr>
+        <p:spPr>
+          <a:xfrm>
+            <a:off x="457201" y="204787"/>
+            <a:ext cx="3008313" cy="871538"/>
+          </a:xfrm>
+        </p:spPr>
+        <p:txBody>
+          <a:bodyPr/>
+          <a:lstStyle/>
+          <a:p>
+            <a:pPr lvl="0" indent="0" marL="0">
+              <a:buNone/>
+            </a:pPr>
+            <a:r>
+              <a:rPr/>
+              <a:t>Introduction - What are magnetosheath jets?</a:t>
+            </a:r>
+          </a:p>
+        </p:txBody>
+      </p:sp>
+      <p:sp>
+        <p:nvSpPr>
+          <p:cNvPr id="4" name="Text Placeholder 3"/>
+          <p:cNvSpPr>
+            <a:spLocks noGrp="1"/>
+          </p:cNvSpPr>
+          <p:nvPr>
+            <p:ph idx="2" sz="half" type="body"/>
+          </p:nvPr>
+        </p:nvSpPr>
+        <p:spPr/>
+        <p:txBody>
+          <a:bodyPr/>
+          <a:lstStyle/>
+          <a:p>
+            <a:pPr lvl="0" indent="0" marL="0">
+              <a:buNone/>
+            </a:pPr>
+            <a:r>
+              <a:rPr/>
+              <a:t>Large amplitude, yet spatially localized, transient increases in dynamic pressure, known as “magnetosheath jets” or “plasmoids”.</a:t>
+            </a:r>
+          </a:p>
+        </p:txBody>
+      </p:sp>
+      <p:pic>
+        <p:nvPicPr>
+          <p:cNvPr descr="images/paste-7.png" id="0" name="Picture 1"/>
+          <p:cNvPicPr>
+            <a:picLocks noGrp="1" noChangeAspect="1"/>
+          </p:cNvPicPr>
+          <p:nvPr/>
+        </p:nvPicPr>
+        <p:blipFill>
+          <a:blip r:embed="rId2"/>
+          <a:stretch>
+            <a:fillRect/>
+          </a:stretch>
+        </p:blipFill>
+        <p:spPr bwMode="auto">
+          <a:xfrm>
+            <a:off x="3568700" y="241300"/>
+            <a:ext cx="5105400" cy="4305300"/>
+          </a:xfrm>
+          <a:prstGeom prst="rect">
+            <a:avLst/>
+          </a:prstGeom>
+          <a:noFill/>
+          <a:ln w="9525">
+            <a:noFill/>
+            <a:headEnd/>
+            <a:tailEnd/>
+          </a:ln>
+        </p:spPr>
+      </p:pic>
+    </p:spTree>
+  </p:cSld>
+</p:sld>
+</file>
+
+<file path=ppt/slides/slide4.xml><?xml version="1.0" encoding="utf-8"?>
+<p:sld xmlns:a="http://schemas.openxmlformats.org/drawingml/2006/main" xmlns:r="http://schemas.openxmlformats.org/officeDocument/2006/relationships" xmlns:p="http://schemas.openxmlformats.org/presentationml/2006/main">
+  <p:cSld>
+    <p:spTree>
+      <p:nvGrpSpPr>
+        <p:cNvPr id="1" name=""/>
+        <p:cNvGrpSpPr/>
+        <p:nvPr/>
+      </p:nvGrpSpPr>
+      <p:grpSpPr>
+        <a:xfrm>
+          <a:off x="0" y="0"/>
+          <a:ext cx="0" cy="0"/>
+          <a:chOff x="0" y="0"/>
+          <a:chExt cx="0" cy="0"/>
+        </a:xfrm>
+      </p:grpSpPr>
+      <p:sp>
+        <p:nvSpPr>
+          <p:cNvPr id="3" name="Content Placeholder 2"/>
+          <p:cNvSpPr>
+            <a:spLocks noGrp="1"/>
+          </p:cNvSpPr>
+          <p:nvPr>
+            <p:ph idx="1"/>
+          </p:nvPr>
+        </p:nvSpPr>
+        <p:spPr/>
+        <p:txBody>
+          <a:bodyPr/>
+          <a:lstStyle/>
+          <a:p>
+            <a:pPr lvl="0" indent="0" marL="0">
+              <a:buNone/>
+            </a:pPr>
+            <a:r>
+              <a:rPr/>
+              <a:t>Plaschke et al. (2018)</a:t>
+            </a:r>
+          </a:p>
+        </p:txBody>
+      </p:sp>
+    </p:spTree>
+  </p:cSld>
+</p:sld>
+</file>
+
+<file path=ppt/slides/slide5.xml><?xml version="1.0" encoding="utf-8"?>
+<p:sld xmlns:a="http://schemas.openxmlformats.org/drawingml/2006/main" xmlns:r="http://schemas.openxmlformats.org/officeDocument/2006/relationships" xmlns:p="http://schemas.openxmlformats.org/presentationml/2006/main">
+  <p:cSld>
+    <p:spTree>
+      <p:nvGrpSpPr>
+        <p:cNvPr id="1" name=""/>
+        <p:cNvGrpSpPr/>
+        <p:nvPr/>
+      </p:nvGrpSpPr>
+      <p:grpSpPr>
+        <a:xfrm>
+          <a:off x="0" y="0"/>
+          <a:ext cx="0" cy="0"/>
+          <a:chOff x="0" y="0"/>
+          <a:chExt cx="0" cy="0"/>
+        </a:xfrm>
+      </p:grpSpPr>
+      <p:sp>
+        <p:nvSpPr>
+          <p:cNvPr id="2" name="Title 1"/>
+          <p:cNvSpPr>
+            <a:spLocks noGrp="1"/>
+          </p:cNvSpPr>
+          <p:nvPr>
+            <p:ph type="title"/>
+          </p:nvPr>
+        </p:nvSpPr>
+        <p:spPr/>
+        <p:txBody>
+          <a:bodyPr/>
+          <a:lstStyle/>
+          <a:p>
+            <a:pPr lvl="0" indent="0" marL="0">
+              <a:buNone/>
+            </a:pPr>
+            <a:r>
+              <a:rPr/>
+              <a:t>Why Jupyter?</a:t>
+            </a:r>
+          </a:p>
+        </p:txBody>
+      </p:sp>
+      <p:sp>
+        <p:nvSpPr>
+          <p:cNvPr id="3" name="Content Placeholder 2"/>
+          <p:cNvSpPr>
+            <a:spLocks noGrp="1"/>
+          </p:cNvSpPr>
+          <p:nvPr>
+            <p:ph idx="1"/>
+          </p:nvPr>
+        </p:nvSpPr>
+        <p:spPr/>
+        <p:txBody>
+          <a:bodyPr/>
+          <a:lstStyle/>
+          <a:p>
+            <a:pPr lvl="0" indent="0" marL="0">
+              <a:buNone/>
+            </a:pPr>
+            <a:r>
+              <a:rPr/>
+              <a:t>Most jets are observed in quasi-parallel shocked magnetosheath (presence of foreshock):</a:t>
+            </a:r>
+          </a:p>
+          <a:p>
+            <a:pPr lvl="0"/>
+            <a:r>
+              <a:rPr/>
+              <a:t>Formation mechanism: shock rippling (97%), shock reformation, and shock interaction with rotational discontinuities</a:t>
+            </a:r>
+          </a:p>
+          <a:p>
+            <a:pPr lvl="0" indent="0" marL="0">
+              <a:buNone/>
+            </a:pPr>
+            <a:r>
+              <a:rPr/>
+              <a:t>Quasiperpendicular shocks are less favorable</a:t>
+            </a:r>
+          </a:p>
+          <a:p>
+            <a:pPr lvl="0"/>
+            <a:r>
+              <a:rPr/>
+              <a:t>Formation mechanism: shock interaction with discontinuities; mirror modes…</a:t>
+            </a:r>
+          </a:p>
+          <a:p>
+            <a:pPr lvl="0"/>
+            <a:r>
+              <a:rPr/>
+              <a:t>Magnetic flux tubes that are embedded in the Qper magnetosheath but are connected to the Qpar section of the bow-shock (Kajdič et al. 2021)</a:t>
+            </a:r>
+          </a:p>
+          <a:p>
+            <a:pPr lvl="0" indent="0" marL="0">
+              <a:buNone/>
+            </a:pPr>
+            <a:r>
+              <a:rPr/>
+              <a:t>Subsolar bow shocks of outer planets are more frequently quasi-perpendicular (due to the Parker spiral)</a:t>
+            </a:r>
+          </a:p>
+          <a:p>
+            <a:pPr lvl="0" indent="0" marL="0">
+              <a:buNone/>
+            </a:pPr>
+            <a:r>
+              <a:rPr/>
+              <a:t>Parametric variation of jets</a:t>
+            </a:r>
+          </a:p>
+        </p:txBody>
+      </p:sp>
+    </p:spTree>
+  </p:cSld>
+</p:sld>
+</file>
+
+<file path=ppt/slides/slide6.xml><?xml version="1.0" encoding="utf-8"?>
+<p:sld xmlns:a="http://schemas.openxmlformats.org/drawingml/2006/main" xmlns:r="http://schemas.openxmlformats.org/officeDocument/2006/relationships" xmlns:p="http://schemas.openxmlformats.org/presentationml/2006/main">
+  <p:cSld>
+    <p:spTree>
+      <p:nvGrpSpPr>
+        <p:cNvPr id="1" name=""/>
+        <p:cNvGrpSpPr/>
+        <p:nvPr/>
+      </p:nvGrpSpPr>
+      <p:grpSpPr>
+        <a:xfrm>
+          <a:off x="0" y="0"/>
+          <a:ext cx="0" cy="0"/>
+          <a:chOff x="0" y="0"/>
+          <a:chExt cx="0" cy="0"/>
+        </a:xfrm>
+      </p:grpSpPr>
+      <p:sp>
+        <p:nvSpPr>
+          <p:cNvPr id="2" name="Title 1"/>
+          <p:cNvSpPr>
+            <a:spLocks noGrp="1"/>
+          </p:cNvSpPr>
+          <p:nvPr>
+            <p:ph type="title"/>
+          </p:nvPr>
+        </p:nvSpPr>
+        <p:spPr>
+          <a:xfrm>
+            <a:off x="457201" y="204787"/>
+            <a:ext cx="3008313" cy="871538"/>
+          </a:xfrm>
+        </p:spPr>
+        <p:txBody>
+          <a:bodyPr/>
+          <a:lstStyle/>
+          <a:p>
+            <a:pPr lvl="0" indent="0" marL="0">
+              <a:buNone/>
+            </a:pPr>
+            <a:r>
+              <a:rPr/>
+              <a:t>Results</a:t>
+            </a:r>
+          </a:p>
+        </p:txBody>
+      </p:sp>
+      <p:sp>
+        <p:nvSpPr>
+          <p:cNvPr id="4" name="Text Placeholder 3"/>
+          <p:cNvSpPr>
+            <a:spLocks noGrp="1"/>
+          </p:cNvSpPr>
+          <p:nvPr>
+            <p:ph idx="2" sz="half" type="body"/>
+          </p:nvPr>
+        </p:nvSpPr>
+        <p:spPr/>
+        <p:txBody>
+          <a:bodyPr/>
+          <a:lstStyle/>
+          <a:p>
+            <a:pPr lvl="0" indent="0" marL="0">
+              <a:buNone/>
+            </a:pPr>
+            <a:r>
+              <a:rPr/>
+              <a:t>Jupiter-Sun-Orbital (JSO) Cartesian and spherical coordinates. In this coordinate system, the x-axis points from Jupiter to the Sun, the z-axis is aligned with vJO × x^ (where vJO denotes the orbital velocity of Jupiter)</a:t>
+            </a:r>
+          </a:p>
+          <a:p>
+            <a:pPr lvl="0" indent="0" marL="0">
+              <a:buNone/>
+            </a:pPr>
+            <a:r>
+              <a:rPr/>
+              <a:t>Voyager 2 observation</a:t>
+            </a:r>
+          </a:p>
+        </p:txBody>
+      </p:sp>
+      <p:pic>
+        <p:nvPicPr>
+          <p:cNvPr descr="images/paste-1.png" id="0" name="Picture 1"/>
+          <p:cNvPicPr>
+            <a:picLocks noGrp="1" noChangeAspect="1"/>
+          </p:cNvPicPr>
+          <p:nvPr/>
+        </p:nvPicPr>
+        <p:blipFill>
+          <a:blip r:embed="rId2"/>
+          <a:stretch>
+            <a:fillRect/>
+          </a:stretch>
+        </p:blipFill>
+        <p:spPr bwMode="auto">
+          <a:xfrm>
+            <a:off x="3746500" y="203200"/>
+            <a:ext cx="4749800" cy="4381500"/>
+          </a:xfrm>
+          <a:prstGeom prst="rect">
+            <a:avLst/>
+          </a:prstGeom>
+          <a:noFill/>
+          <a:ln w="9525">
+            <a:noFill/>
+            <a:headEnd/>
+            <a:tailEnd/>
+          </a:ln>
+        </p:spPr>
+      </p:pic>
+    </p:spTree>
+  </p:cSld>
+</p:sld>
+</file>
+
+<file path=ppt/slides/slide7.xml><?xml version="1.0" encoding="utf-8"?>
+<p:sld xmlns:a="http://schemas.openxmlformats.org/drawingml/2006/main" xmlns:r="http://schemas.openxmlformats.org/officeDocument/2006/relationships" xmlns:p="http://schemas.openxmlformats.org/presentationml/2006/main">
+  <p:cSld>
+    <p:spTree>
+      <p:nvGrpSpPr>
+        <p:cNvPr id="1" name=""/>
+        <p:cNvGrpSpPr/>
+        <p:nvPr/>
+      </p:nvGrpSpPr>
+      <p:grpSpPr>
+        <a:xfrm>
+          <a:off x="0" y="0"/>
+          <a:ext cx="0" cy="0"/>
+          <a:chOff x="0" y="0"/>
+          <a:chExt cx="0" cy="0"/>
+        </a:xfrm>
+      </p:grpSpPr>
+      <p:sp>
+        <p:nvSpPr>
+          <p:cNvPr id="4" name="Text Placeholder 3"/>
+          <p:cNvSpPr>
+            <a:spLocks noGrp="1"/>
+          </p:cNvSpPr>
+          <p:nvPr>
+            <p:ph idx="2" sz="half" type="body"/>
+          </p:nvPr>
+        </p:nvSpPr>
+        <p:spPr/>
+        <p:txBody>
+          <a:bodyPr/>
+          <a:lstStyle/>
+          <a:p>
+            <a:pPr lvl="0" indent="0" marL="0">
+              <a:buNone/>
+            </a:pPr>
+            <a:r>
+              <a:rPr/>
+              <a:t>Significant variations, indicating quasi-parallel magnetosheath conditions.</a:t>
+            </a:r>
+          </a:p>
+          <a:p>
+            <a:pPr lvl="0" indent="0" marL="0">
+              <a:buNone/>
+            </a:pPr>
+            <a:r>
+              <a:rPr/>
+              <a:t>Magnetic field standard deviation and high energy ion flux are good local indicators to distinguish between quasi-parallel and quasi-perpendicular magnetosheath.</a:t>
+            </a:r>
+          </a:p>
+          <a:p>
+            <a:pPr lvl="0" indent="0" marL="0">
+              <a:buNone/>
+            </a:pPr>
+            <a:r>
+              <a:rPr/>
+              <a:t>After the third jet, quasi-perpendicular magnetosheath [θ = 90∘, φ = 245∘]</a:t>
+            </a:r>
+          </a:p>
+        </p:txBody>
+      </p:sp>
+      <p:pic>
+        <p:nvPicPr>
+          <p:cNvPr descr="images/paste-6.png" id="0" name="Picture 1"/>
+          <p:cNvPicPr>
+            <a:picLocks noGrp="1" noChangeAspect="1"/>
+          </p:cNvPicPr>
+          <p:nvPr/>
+        </p:nvPicPr>
+        <p:blipFill>
+          <a:blip r:embed="rId2"/>
+          <a:stretch>
+            <a:fillRect/>
+          </a:stretch>
+        </p:blipFill>
+        <p:spPr bwMode="auto">
+          <a:xfrm>
+            <a:off x="3568700" y="1104900"/>
+            <a:ext cx="5105400" cy="2578100"/>
+          </a:xfrm>
+          <a:prstGeom prst="rect">
+            <a:avLst/>
+          </a:prstGeom>
+          <a:noFill/>
+          <a:ln w="9525">
+            <a:noFill/>
+            <a:headEnd/>
+            <a:tailEnd/>
+          </a:ln>
+        </p:spPr>
+      </p:pic>
+    </p:spTree>
+  </p:cSld>
+</p:sld>
+</file>
+
+<file path=ppt/slides/slide8.xml><?xml version="1.0" encoding="utf-8"?>
+<p:sld xmlns:a="http://schemas.openxmlformats.org/drawingml/2006/main" xmlns:r="http://schemas.openxmlformats.org/officeDocument/2006/relationships" xmlns:p="http://schemas.openxmlformats.org/presentationml/2006/main">
+  <p:cSld>
+    <p:spTree>
+      <p:nvGrpSpPr>
+        <p:cNvPr id="1" name=""/>
+        <p:cNvGrpSpPr/>
+        <p:nvPr/>
+      </p:nvGrpSpPr>
+      <p:grpSpPr>
+        <a:xfrm>
+          <a:off x="0" y="0"/>
+          <a:ext cx="0" cy="0"/>
+          <a:chOff x="0" y="0"/>
+          <a:chExt cx="0" cy="0"/>
+        </a:xfrm>
+      </p:grpSpPr>
+      <p:sp>
+        <p:nvSpPr>
+          <p:cNvPr id="2" name="Title 1"/>
+          <p:cNvSpPr>
+            <a:spLocks noGrp="1"/>
+          </p:cNvSpPr>
+          <p:nvPr>
+            <p:ph type="title"/>
+          </p:nvPr>
+        </p:nvSpPr>
+        <p:spPr/>
+        <p:txBody>
+          <a:bodyPr/>
+          <a:lstStyle/>
+          <a:p>
+            <a:pPr lvl="0" indent="0" marL="0">
+              <a:buNone/>
+            </a:pPr>
+            <a:r>
+              <a:rPr/>
+              <a:t>Sunward jet</a:t>
+            </a:r>
+          </a:p>
+        </p:txBody>
+      </p:sp>
+      <p:pic>
+        <p:nvPicPr>
+          <p:cNvPr descr="images/paste-5.png" id="0" name="Picture 1"/>
+          <p:cNvPicPr>
+            <a:picLocks noGrp="1" noChangeAspect="1"/>
+          </p:cNvPicPr>
+          <p:nvPr/>
+        </p:nvPicPr>
+        <p:blipFill>
+          <a:blip r:embed="rId2"/>
+          <a:stretch>
+            <a:fillRect/>
+          </a:stretch>
+        </p:blipFill>
+        <p:spPr bwMode="auto">
+          <a:xfrm>
+            <a:off x="3860800" y="1193800"/>
+            <a:ext cx="1422400" cy="3390900"/>
+          </a:xfrm>
+          <a:prstGeom prst="rect">
+            <a:avLst/>
+          </a:prstGeom>
+          <a:noFill/>
+          <a:ln w="9525">
+            <a:noFill/>
+            <a:headEnd/>
+            <a:tailEnd/>
+          </a:ln>
+        </p:spPr>
+      </p:pic>
+    </p:spTree>
+  </p:cSld>
 </p:sld>
 </file>
 
@@ -5697,30 +4286,6 @@
       </p:grpSpPr>
       <p:sp>
         <p:nvSpPr>
-          <p:cNvPr id="2" name="Title 1"/>
-          <p:cNvSpPr>
-            <a:spLocks noGrp="1"/>
-          </p:cNvSpPr>
-          <p:nvPr>
-            <p:ph type="title"/>
-          </p:nvPr>
-        </p:nvSpPr>
-        <p:spPr/>
-        <p:txBody>
-          <a:bodyPr/>
-          <a:lstStyle/>
-          <a:p>
-            <a:pPr marL="0" lvl="0" indent="0">
-              <a:buNone/>
-            </a:pPr>
-            <a:r>
-              <a:t>Discussion</a:t>
-            </a:r>
-          </a:p>
-        </p:txBody>
-      </p:sp>
-      <p:sp>
-        <p:nvSpPr>
           <p:cNvPr id="3" name="Content Placeholder 2"/>
           <p:cNvSpPr>
             <a:spLocks noGrp="1"/>
@@ -5729,103 +4294,35 @@
             <p:ph idx="1"/>
           </p:nvPr>
         </p:nvSpPr>
-        <p:spPr>
-          <a:xfrm>
-            <a:off x="457200" y="1200150"/>
-            <a:ext cx="8229600" cy="3943349"/>
-          </a:xfrm>
-        </p:spPr>
-        <p:txBody>
-          <a:bodyPr>
-            <a:normAutofit fontScale="77500" lnSpcReduction="20000"/>
-          </a:bodyPr>
-          <a:lstStyle/>
-          <a:p>
-            <a:r>
-              <a:rPr dirty="0"/>
-              <a:t>They have reported anti-sunward and sunward jets in the Jovian </a:t>
-            </a:r>
-            <a:r>
-              <a:rPr dirty="0" err="1"/>
-              <a:t>magnetosheath</a:t>
-            </a:r>
-            <a:r>
-              <a:rPr dirty="0"/>
-              <a:t>.</a:t>
-            </a:r>
-            <a:endParaRPr lang="en-US" dirty="0"/>
-          </a:p>
-          <a:p>
-            <a:endParaRPr dirty="0"/>
-          </a:p>
-          <a:p>
-            <a:r>
-              <a:rPr dirty="0"/>
-              <a:t>These jets were associated with magnetic field discontinuities.</a:t>
-            </a:r>
-            <a:endParaRPr lang="en-US" dirty="0"/>
-          </a:p>
-          <a:p>
-            <a:endParaRPr dirty="0"/>
-          </a:p>
-          <a:p>
-            <a:r>
-              <a:rPr dirty="0"/>
-              <a:t>The highly intermittent and discontinuous magnetic fields in solar wind allow jets to be formed downstream of these </a:t>
-            </a:r>
-            <a:r>
-              <a:rPr dirty="0" err="1"/>
-              <a:t>planetery</a:t>
-            </a:r>
-            <a:r>
-              <a:rPr dirty="0"/>
-              <a:t> bow shocks.</a:t>
-            </a:r>
-            <a:endParaRPr lang="en-US" dirty="0"/>
-          </a:p>
-          <a:p>
-            <a:endParaRPr dirty="0"/>
-          </a:p>
-          <a:p>
-            <a:r>
-              <a:rPr dirty="0"/>
-              <a:t>More powerful jets than at Earth are expected in outer planets.</a:t>
+        <p:spPr/>
+        <p:txBody>
+          <a:bodyPr/>
+          <a:lstStyle/>
+          <a:p>
+            <a:pPr lvl="0"/>
+            <a:r>
+              <a:rPr/>
+              <a:t>magnetopause crossings (expansion phase of the magnetosphere)</a:t>
             </a:r>
           </a:p>
           <a:p>
             <a:pPr lvl="1"/>
-            <a:endParaRPr lang="en-US" dirty="0"/>
-          </a:p>
-          <a:p>
-            <a:pPr lvl="1"/>
-            <a:r>
-              <a:rPr dirty="0"/>
-              <a:t>Given the high Mach number for Jovian and </a:t>
-            </a:r>
-            <a:r>
-              <a:rPr dirty="0" err="1"/>
-              <a:t>Kronian</a:t>
-            </a:r>
-            <a:r>
-              <a:rPr dirty="0"/>
-              <a:t> bow shock and the decreasing beta with solar centric distance beyond the Martian orbit. And </a:t>
-            </a:r>
-            <a:r>
-              <a:rPr lang="en-US" dirty="0"/>
-              <a:t>t</a:t>
-            </a:r>
-            <a:r>
-              <a:rPr dirty="0"/>
-              <a:t>heoretical calculations suggest that the strength of jets (ratio of jet to upstream dynamic pressure) grow with Mach number and decrease with plasma beta (ratio of thermal to magnetic pressure).</a:t>
+            <a:r>
+              <a:rPr/>
+              <a:t>breathing of the magnetopause is expected to occur on a time scale of hour for Jupiter.</a:t>
+            </a:r>
+          </a:p>
+          <a:p>
+            <a:pPr lvl="0"/>
+            <a:r>
+              <a:rPr/>
+              <a:t>(density-depleted) hot flow anomaly (a flow reversal in their core HFA)</a:t>
             </a:r>
           </a:p>
         </p:txBody>
       </p:sp>
     </p:spTree>
   </p:cSld>
-  <p:clrMapOvr>
-    <a:masterClrMapping/>
-  </p:clrMapOvr>
 </p:sld>
 </file>
 
@@ -6160,44 +4657,44 @@
         <a:sysClr val="window" lastClr="FFFFFF"/>
       </a:lt1>
       <a:dk2>
-        <a:srgbClr val="0E2841"/>
+        <a:srgbClr val="44546A"/>
       </a:dk2>
       <a:lt2>
-        <a:srgbClr val="E8E8E8"/>
+        <a:srgbClr val="E7E6E6"/>
       </a:lt2>
       <a:accent1>
-        <a:srgbClr val="156082"/>
+        <a:srgbClr val="5B9BD5"/>
       </a:accent1>
       <a:accent2>
-        <a:srgbClr val="E97132"/>
+        <a:srgbClr val="ED7D31"/>
       </a:accent2>
       <a:accent3>
-        <a:srgbClr val="196B24"/>
+        <a:srgbClr val="A5A5A5"/>
       </a:accent3>
       <a:accent4>
-        <a:srgbClr val="0F9ED5"/>
+        <a:srgbClr val="FFC000"/>
       </a:accent4>
       <a:accent5>
-        <a:srgbClr val="A02B93"/>
+        <a:srgbClr val="4472C4"/>
       </a:accent5>
       <a:accent6>
-        <a:srgbClr val="4EA72E"/>
+        <a:srgbClr val="70AD47"/>
       </a:accent6>
       <a:hlink>
-        <a:srgbClr val="467886"/>
+        <a:srgbClr val="0563C1"/>
       </a:hlink>
       <a:folHlink>
-        <a:srgbClr val="96607D"/>
+        <a:srgbClr val="954F72"/>
       </a:folHlink>
     </a:clrScheme>
     <a:fontScheme name="Office">
       <a:majorFont>
-        <a:latin typeface="Aptos Display" panose="02110004020202020204"/>
+        <a:latin typeface="Calibri Light" panose="020F0302020204030204"/>
         <a:ea typeface=""/>
         <a:cs typeface=""/>
-        <a:font script="Jpan" typeface="游ゴシック Light"/>
+        <a:font script="Jpan" typeface="ＭＳ Ｐゴシック"/>
         <a:font script="Hang" typeface="맑은 고딕"/>
-        <a:font script="Hans" typeface="等线 Light"/>
+        <a:font script="Hans" typeface="宋体"/>
         <a:font script="Hant" typeface="新細明體"/>
         <a:font script="Arab" typeface="Times New Roman"/>
         <a:font script="Hebr" typeface="Times New Roman"/>
@@ -6225,31 +4722,14 @@
         <a:font script="Viet" typeface="Times New Roman"/>
         <a:font script="Uigh" typeface="Microsoft Uighur"/>
         <a:font script="Geor" typeface="Sylfaen"/>
-        <a:font script="Armn" typeface="Arial"/>
-        <a:font script="Bugi" typeface="Leelawadee UI"/>
-        <a:font script="Bopo" typeface="Microsoft JhengHei"/>
-        <a:font script="Java" typeface="Javanese Text"/>
-        <a:font script="Lisu" typeface="Segoe UI"/>
-        <a:font script="Mymr" typeface="Myanmar Text"/>
-        <a:font script="Nkoo" typeface="Ebrima"/>
-        <a:font script="Olck" typeface="Nirmala UI"/>
-        <a:font script="Osma" typeface="Ebrima"/>
-        <a:font script="Phag" typeface="Phagspa"/>
-        <a:font script="Syrn" typeface="Estrangelo Edessa"/>
-        <a:font script="Syrj" typeface="Estrangelo Edessa"/>
-        <a:font script="Syre" typeface="Estrangelo Edessa"/>
-        <a:font script="Sora" typeface="Nirmala UI"/>
-        <a:font script="Tale" typeface="Microsoft Tai Le"/>
-        <a:font script="Talu" typeface="Microsoft New Tai Lue"/>
-        <a:font script="Tfng" typeface="Ebrima"/>
       </a:majorFont>
       <a:minorFont>
-        <a:latin typeface="Aptos" panose="02110004020202020204"/>
+        <a:latin typeface="Calibri" panose="020F0502020204030204"/>
         <a:ea typeface=""/>
         <a:cs typeface=""/>
-        <a:font script="Jpan" typeface="游ゴシック"/>
+        <a:font script="Jpan" typeface="ＭＳ Ｐゴシック"/>
         <a:font script="Hang" typeface="맑은 고딕"/>
-        <a:font script="Hans" typeface="等线"/>
+        <a:font script="Hans" typeface="宋体"/>
         <a:font script="Hant" typeface="新細明體"/>
         <a:font script="Arab" typeface="Arial"/>
         <a:font script="Hebr" typeface="Arial"/>
@@ -6277,23 +4757,6 @@
         <a:font script="Viet" typeface="Arial"/>
         <a:font script="Uigh" typeface="Microsoft Uighur"/>
         <a:font script="Geor" typeface="Sylfaen"/>
-        <a:font script="Armn" typeface="Arial"/>
-        <a:font script="Bugi" typeface="Leelawadee UI"/>
-        <a:font script="Bopo" typeface="Microsoft JhengHei"/>
-        <a:font script="Java" typeface="Javanese Text"/>
-        <a:font script="Lisu" typeface="Segoe UI"/>
-        <a:font script="Mymr" typeface="Myanmar Text"/>
-        <a:font script="Nkoo" typeface="Ebrima"/>
-        <a:font script="Olck" typeface="Nirmala UI"/>
-        <a:font script="Osma" typeface="Ebrima"/>
-        <a:font script="Phag" typeface="Phagspa"/>
-        <a:font script="Syrn" typeface="Estrangelo Edessa"/>
-        <a:font script="Syrj" typeface="Estrangelo Edessa"/>
-        <a:font script="Syre" typeface="Estrangelo Edessa"/>
-        <a:font script="Sora" typeface="Nirmala UI"/>
-        <a:font script="Tale" typeface="Microsoft Tai Le"/>
-        <a:font script="Talu" typeface="Microsoft New Tai Lue"/>
-        <a:font script="Tfng" typeface="Ebrima"/>
       </a:minorFont>
     </a:fontScheme>
     <a:fmtScheme name="Office">
@@ -6355,6 +4818,13 @@
         </a:gradFill>
       </a:fillStyleLst>
       <a:lnStyleLst>
+        <a:ln w="6350" cap="flat" cmpd="sng" algn="ctr">
+          <a:solidFill>
+            <a:schemeClr val="phClr"/>
+          </a:solidFill>
+          <a:prstDash val="solid"/>
+          <a:miter lim="800000"/>
+        </a:ln>
         <a:ln w="12700" cap="flat" cmpd="sng" algn="ctr">
           <a:solidFill>
             <a:schemeClr val="phClr"/>
@@ -6363,13 +4833,6 @@
           <a:miter lim="800000"/>
         </a:ln>
         <a:ln w="19050" cap="flat" cmpd="sng" algn="ctr">
-          <a:solidFill>
-            <a:schemeClr val="phClr"/>
-          </a:solidFill>
-          <a:prstDash val="solid"/>
-          <a:miter lim="800000"/>
-        </a:ln>
-        <a:ln w="25400" cap="flat" cmpd="sng" algn="ctr">
           <a:solidFill>
             <a:schemeClr val="phClr"/>
           </a:solidFill>
@@ -6434,31 +4897,11 @@
       </a:bgFillStyleLst>
     </a:fmtScheme>
   </a:themeElements>
-  <a:objectDefaults>
-    <a:lnDef>
-      <a:spPr/>
-      <a:bodyPr/>
-      <a:lstStyle/>
-      <a:style>
-        <a:lnRef idx="2">
-          <a:schemeClr val="accent1"/>
-        </a:lnRef>
-        <a:fillRef idx="0">
-          <a:schemeClr val="accent1"/>
-        </a:fillRef>
-        <a:effectRef idx="1">
-          <a:schemeClr val="accent1"/>
-        </a:effectRef>
-        <a:fontRef idx="minor">
-          <a:schemeClr val="tx1"/>
-        </a:fontRef>
-      </a:style>
-    </a:lnDef>
-  </a:objectDefaults>
+  <a:objectDefaults/>
   <a:extraClrSchemeLst/>
   <a:extLst>
     <a:ext uri="{05A4C25C-085E-4340-85A3-A5531E510DB2}">
-      <thm15:themeFamily xmlns:thm15="http://schemas.microsoft.com/office/thememl/2012/main" name="Office Theme" id="{2E142A2C-CD16-42D6-873A-C26D2A0506FA}" vid="{1BDDFF52-6CD6-40A5-AB3C-68EB2F1E4D0A}"/>
+      <thm15:themeFamily xmlns:thm15="http://schemas.microsoft.com/office/thememl/2012/main" name="Office Theme" id="{62F939B6-93AF-4DB8-9C6B-D6C7DFDC589F}" vid="{4A3C46E8-61CC-4603-A589-7422A47A8E4A}"/>
     </a:ext>
   </a:extLst>
 </a:theme>
